--- a/Download/1. Worksop Scenario Overview.pptx
+++ b/Download/1. Worksop Scenario Overview.pptx
@@ -5,7 +5,7 @@
     <p:sldMasterId id="2147483660" r:id="rId1"/>
   </p:sldMasterIdLst>
   <p:notesMasterIdLst>
-    <p:notesMasterId r:id="rId23"/>
+    <p:notesMasterId r:id="rId27"/>
   </p:notesMasterIdLst>
   <p:sldIdLst>
     <p:sldId id="256" r:id="rId2"/>
@@ -14,21 +14,25 @@
     <p:sldId id="260" r:id="rId5"/>
     <p:sldId id="262" r:id="rId6"/>
     <p:sldId id="279" r:id="rId7"/>
-    <p:sldId id="277" r:id="rId8"/>
-    <p:sldId id="261" r:id="rId9"/>
-    <p:sldId id="263" r:id="rId10"/>
-    <p:sldId id="264" r:id="rId11"/>
-    <p:sldId id="265" r:id="rId12"/>
-    <p:sldId id="259" r:id="rId13"/>
-    <p:sldId id="266" r:id="rId14"/>
-    <p:sldId id="278" r:id="rId15"/>
+    <p:sldId id="261" r:id="rId8"/>
+    <p:sldId id="263" r:id="rId9"/>
+    <p:sldId id="264" r:id="rId10"/>
+    <p:sldId id="265" r:id="rId11"/>
+    <p:sldId id="259" r:id="rId12"/>
+    <p:sldId id="266" r:id="rId13"/>
+    <p:sldId id="278" r:id="rId14"/>
+    <p:sldId id="284" r:id="rId15"/>
     <p:sldId id="271" r:id="rId16"/>
-    <p:sldId id="274" r:id="rId17"/>
-    <p:sldId id="275" r:id="rId18"/>
-    <p:sldId id="268" r:id="rId19"/>
-    <p:sldId id="276" r:id="rId20"/>
-    <p:sldId id="272" r:id="rId21"/>
-    <p:sldId id="273" r:id="rId22"/>
+    <p:sldId id="281" r:id="rId17"/>
+    <p:sldId id="274" r:id="rId18"/>
+    <p:sldId id="283" r:id="rId19"/>
+    <p:sldId id="275" r:id="rId20"/>
+    <p:sldId id="276" r:id="rId21"/>
+    <p:sldId id="272" r:id="rId22"/>
+    <p:sldId id="285" r:id="rId23"/>
+    <p:sldId id="277" r:id="rId24"/>
+    <p:sldId id="273" r:id="rId25"/>
+    <p:sldId id="280" r:id="rId26"/>
   </p:sldIdLst>
   <p:sldSz cx="12192000" cy="6858000"/>
   <p:notesSz cx="6858000" cy="9144000"/>
@@ -217,7 +221,7 @@
           <a:p>
             <a:fld id="{F978387E-4A4D-45E4-AE25-09D99C79BC0D}" type="datetimeFigureOut">
               <a:rPr lang="en-US" smtClean="0"/>
-              <a:t>5/10/2017</a:t>
+              <a:t>5/17/2017</a:t>
             </a:fld>
             <a:endParaRPr lang="en-US"/>
           </a:p>
@@ -549,7 +553,7 @@
           <a:p>
             <a:fld id="{2C44FFE1-99B9-4043-9037-664384F2C1A8}" type="slidenum">
               <a:rPr lang="en-US" smtClean="0"/>
-              <a:t>13</a:t>
+              <a:t>12</a:t>
             </a:fld>
             <a:endParaRPr lang="en-US"/>
           </a:p>
@@ -2127,7 +2131,10 @@
           <a:bodyPr/>
           <a:lstStyle/>
           <a:p>
-            <a:endParaRPr lang="en-US" dirty="0"/>
+            <a:r>
+              <a:rPr lang="en-US" dirty="0"/>
+              <a:t>Hyun</a:t>
+            </a:r>
           </a:p>
         </p:txBody>
       </p:sp>
@@ -2163,7 +2170,7 @@
       </p:grpSpPr>
       <p:sp>
         <p:nvSpPr>
-          <p:cNvPr id="4" name="Title 3"/>
+          <p:cNvPr id="2" name="Title 1"/>
           <p:cNvSpPr>
             <a:spLocks noGrp="1"/>
           </p:cNvSpPr>
@@ -2185,7 +2192,7 @@
       </p:sp>
       <p:pic>
         <p:nvPicPr>
-          <p:cNvPr id="7" name="Content Placeholder 6"/>
+          <p:cNvPr id="5" name="Content Placeholder 4"/>
           <p:cNvPicPr>
             <a:picLocks noGrp="1" noChangeAspect="1"/>
           </p:cNvPicPr>
@@ -2201,8 +2208,8 @@
         </p:blipFill>
         <p:spPr>
           <a:xfrm>
-            <a:off x="1348025" y="783774"/>
-            <a:ext cx="9495950" cy="5626552"/>
+            <a:off x="1416569" y="783774"/>
+            <a:ext cx="9358862" cy="5626552"/>
           </a:xfrm>
           <a:prstGeom prst="rect">
             <a:avLst/>
@@ -2212,7 +2219,7 @@
     </p:spTree>
     <p:extLst>
       <p:ext uri="{BB962C8B-B14F-4D97-AF65-F5344CB8AC3E}">
-        <p14:creationId xmlns:p14="http://schemas.microsoft.com/office/powerpoint/2010/main" val="2053271720"/>
+        <p14:creationId xmlns:p14="http://schemas.microsoft.com/office/powerpoint/2010/main" val="2065732204"/>
       </p:ext>
     </p:extLst>
   </p:cSld>
@@ -2256,41 +2263,190 @@
           <a:p>
             <a:r>
               <a:rPr lang="en-US" dirty="0"/>
-              <a:t>Azure Machine Learning Studio</a:t>
-            </a:r>
-          </a:p>
-        </p:txBody>
-      </p:sp>
-      <p:pic>
-        <p:nvPicPr>
-          <p:cNvPr id="5" name="Content Placeholder 4"/>
-          <p:cNvPicPr>
-            <a:picLocks noGrp="1" noChangeAspect="1"/>
-          </p:cNvPicPr>
+              <a:t>Exercise 1: Building a Machine Learning Model</a:t>
+            </a:r>
+          </a:p>
+        </p:txBody>
+      </p:sp>
+      <p:sp>
+        <p:nvSpPr>
+          <p:cNvPr id="3" name="Content Placeholder 2"/>
+          <p:cNvSpPr>
+            <a:spLocks noGrp="1"/>
+          </p:cNvSpPr>
           <p:nvPr>
             <p:ph idx="1"/>
           </p:nvPr>
-        </p:nvPicPr>
-        <p:blipFill>
-          <a:blip r:embed="rId2"/>
-          <a:stretch>
-            <a:fillRect/>
-          </a:stretch>
-        </p:blipFill>
-        <p:spPr>
-          <a:xfrm>
-            <a:off x="1416569" y="783774"/>
-            <a:ext cx="9358862" cy="5626552"/>
-          </a:xfrm>
-          <a:prstGeom prst="rect">
-            <a:avLst/>
-          </a:prstGeom>
-        </p:spPr>
-      </p:pic>
+        </p:nvSpPr>
+        <p:spPr/>
+        <p:txBody>
+          <a:bodyPr>
+            <a:normAutofit/>
+          </a:bodyPr>
+          <a:lstStyle/>
+          <a:p>
+            <a:pPr>
+              <a:lnSpc>
+                <a:spcPct val="100000"/>
+              </a:lnSpc>
+            </a:pPr>
+            <a:r>
+              <a:rPr lang="en-US" sz="1600" dirty="0"/>
+              <a:t>A flight is counted as </a:t>
+            </a:r>
+            <a:r>
+              <a:rPr lang="en-US" sz="1600" b="1" dirty="0">
+                <a:highlight>
+                  <a:srgbClr val="FFFF00"/>
+                </a:highlight>
+              </a:rPr>
+              <a:t>on time if it operated less than 15 minutes later the scheduled time </a:t>
+            </a:r>
+            <a:r>
+              <a:rPr lang="en-US" sz="1600" dirty="0"/>
+              <a:t>shown in the carriers' Computerized Reservations Systems (CRS). </a:t>
+            </a:r>
+            <a:br>
+              <a:rPr lang="en-US" sz="1600" dirty="0"/>
+            </a:br>
+            <a:r>
+              <a:rPr lang="en-US" sz="1600" i="1" dirty="0"/>
+              <a:t>Source: Bureau of Transportation Statistics.</a:t>
+            </a:r>
+          </a:p>
+          <a:p>
+            <a:pPr>
+              <a:lnSpc>
+                <a:spcPct val="100000"/>
+              </a:lnSpc>
+            </a:pPr>
+            <a:r>
+              <a:rPr lang="en-US" sz="1600" dirty="0"/>
+              <a:t>Before start implementing this experiment </a:t>
+            </a:r>
+          </a:p>
+          <a:p>
+            <a:pPr lvl="1"/>
+            <a:r>
+              <a:rPr lang="en-US" sz="1600" dirty="0"/>
+              <a:t>Departure or Arrival Date is in HHMM format. </a:t>
+            </a:r>
+            <a:br>
+              <a:rPr lang="en-US" sz="1600" dirty="0"/>
+            </a:br>
+            <a:r>
+              <a:rPr lang="en-US" sz="1600" dirty="0"/>
+              <a:t>So to round any the closest hour, we will divide it by 100 and then round the result (using floor() math operation) to get the integer number of a given number. </a:t>
+            </a:r>
+            <a:br>
+              <a:rPr lang="en-US" sz="1600" dirty="0"/>
+            </a:br>
+            <a:r>
+              <a:rPr lang="en-US" sz="1600" i="1" dirty="0"/>
+              <a:t>For example: 1135. We will apply divide op.: (1135/100) = 11.35, then round op. using Floor(11.35) = 11.</a:t>
+            </a:r>
+          </a:p>
+          <a:p>
+            <a:pPr lvl="1"/>
+            <a:r>
+              <a:rPr lang="en-US" sz="1600" b="1" u="sng" dirty="0">
+                <a:highlight>
+                  <a:srgbClr val="FFFF00"/>
+                </a:highlight>
+              </a:rPr>
+              <a:t>Categorical Variables</a:t>
+            </a:r>
+            <a:r>
+              <a:rPr lang="en-US" sz="1600" dirty="0"/>
+              <a:t> are those that represent a fixed number of possible values, rather than a continuous number. </a:t>
+            </a:r>
+            <a:br>
+              <a:rPr lang="en-US" sz="1600" dirty="0"/>
+            </a:br>
+            <a:r>
+              <a:rPr lang="en-US" sz="1600" dirty="0"/>
+              <a:t>In this experiment, the columns Carrier, </a:t>
+            </a:r>
+            <a:r>
+              <a:rPr lang="en-US" sz="1600" dirty="0" err="1"/>
+              <a:t>OriginAirportID</a:t>
+            </a:r>
+            <a:r>
+              <a:rPr lang="en-US" sz="1600" dirty="0"/>
+              <a:t>, and </a:t>
+            </a:r>
+            <a:r>
+              <a:rPr lang="en-US" sz="1600" dirty="0" err="1"/>
+              <a:t>DestAirportID</a:t>
+            </a:r>
+            <a:r>
+              <a:rPr lang="en-US" sz="1600" dirty="0"/>
+              <a:t> represent categorical attributes.</a:t>
+            </a:r>
+          </a:p>
+          <a:p>
+            <a:pPr lvl="1"/>
+            <a:r>
+              <a:rPr lang="en-US" sz="1600" dirty="0"/>
+              <a:t>Binning or grouping data (some time called quantization) is an important tool in preparing numeric data for machine learning. </a:t>
+            </a:r>
+            <a:br>
+              <a:rPr lang="en-US" sz="1600" dirty="0"/>
+            </a:br>
+            <a:r>
+              <a:rPr lang="en-US" sz="1600" dirty="0"/>
+              <a:t>In this experiment, we are using group data into bins using Quantiles binning mode. </a:t>
+            </a:r>
+            <a:br>
+              <a:rPr lang="en-US" sz="1600" dirty="0"/>
+            </a:br>
+            <a:r>
+              <a:rPr lang="en-US" sz="1600" dirty="0"/>
+              <a:t>Quantiles is also known as equal Hight binning. </a:t>
+            </a:r>
+            <a:br>
+              <a:rPr lang="en-US" sz="1600" dirty="0"/>
+            </a:br>
+            <a:r>
+              <a:rPr lang="en-US" sz="1600" dirty="0"/>
+              <a:t>This applies to all numeric values in selected flight delays dataset.</a:t>
+            </a:r>
+          </a:p>
+          <a:p>
+            <a:pPr lvl="1"/>
+            <a:r>
+              <a:rPr lang="en-US" sz="1600" dirty="0"/>
+              <a:t>In this experiment, we used sweep parameters (Tune Model Hyperparameter): Performs a parameter sweep on a model to determine the optimum parameter settings.</a:t>
+            </a:r>
+          </a:p>
+        </p:txBody>
+      </p:sp>
+      <p:sp>
+        <p:nvSpPr>
+          <p:cNvPr id="4" name="Text Placeholder 3"/>
+          <p:cNvSpPr>
+            <a:spLocks noGrp="1"/>
+          </p:cNvSpPr>
+          <p:nvPr>
+            <p:ph type="body" sz="quarter" idx="10"/>
+          </p:nvPr>
+        </p:nvSpPr>
+        <p:spPr/>
+        <p:txBody>
+          <a:bodyPr/>
+          <a:lstStyle/>
+          <a:p>
+            <a:r>
+              <a:rPr lang="en-US" altLang="en-US" dirty="0"/>
+              <a:t>Understanding Flight Delays Data Set</a:t>
+            </a:r>
+          </a:p>
+        </p:txBody>
+      </p:sp>
     </p:spTree>
     <p:extLst>
       <p:ext uri="{BB962C8B-B14F-4D97-AF65-F5344CB8AC3E}">
-        <p14:creationId xmlns:p14="http://schemas.microsoft.com/office/powerpoint/2010/main" val="2065732204"/>
+        <p14:creationId xmlns:p14="http://schemas.microsoft.com/office/powerpoint/2010/main" val="767170477"/>
       </p:ext>
     </p:extLst>
   </p:cSld>
@@ -2319,7 +2475,7 @@
       </p:grpSpPr>
       <p:sp>
         <p:nvSpPr>
-          <p:cNvPr id="2" name="Title 1"/>
+          <p:cNvPr id="5" name="Title 4"/>
           <p:cNvSpPr>
             <a:spLocks noGrp="1"/>
           </p:cNvSpPr>
@@ -2329,24 +2485,27 @@
         </p:nvSpPr>
         <p:spPr/>
         <p:txBody>
-          <a:bodyPr/>
+          <a:bodyPr>
+            <a:normAutofit/>
+          </a:bodyPr>
           <a:lstStyle/>
           <a:p>
             <a:r>
-              <a:rPr lang="en-US" dirty="0"/>
-              <a:t>Exercise 1: Building a Machine Learning Model</a:t>
-            </a:r>
-          </a:p>
-        </p:txBody>
-      </p:sp>
-      <p:sp>
-        <p:nvSpPr>
-          <p:cNvPr id="3" name="Content Placeholder 2"/>
+              <a:rPr lang="pt-BR" sz="2400" dirty="0"/>
+              <a:t>Ex 2: Setup Azure Data Factory</a:t>
+            </a:r>
+            <a:endParaRPr lang="en-US" sz="2400" dirty="0"/>
+          </a:p>
+        </p:txBody>
+      </p:sp>
+      <p:sp>
+        <p:nvSpPr>
+          <p:cNvPr id="6" name="Text Placeholder 5"/>
           <p:cNvSpPr>
             <a:spLocks noGrp="1"/>
           </p:cNvSpPr>
           <p:nvPr>
-            <p:ph idx="1"/>
+            <p:ph type="body" idx="1"/>
           </p:nvPr>
         </p:nvSpPr>
         <p:spPr/>
@@ -2354,167 +2513,14 @@
           <a:bodyPr/>
           <a:lstStyle/>
           <a:p>
-            <a:r>
-              <a:rPr lang="en-US" dirty="0"/>
-              <a:t>A flight is counted as on time if it operated less than 15 minutes later the scheduled time shown in the carriers' Computerized Reservations Systems (CRS). </a:t>
-            </a:r>
-            <a:br>
-              <a:rPr lang="en-US" dirty="0"/>
-            </a:br>
-            <a:r>
-              <a:rPr lang="en-US" dirty="0"/>
-              <a:t>Arrival performance is based on arrival at the gate. </a:t>
-            </a:r>
-            <a:br>
-              <a:rPr lang="en-US" dirty="0"/>
-            </a:br>
-            <a:r>
-              <a:rPr lang="en-US" dirty="0"/>
-              <a:t>Departure performance is based on departure from the gate. </a:t>
-            </a:r>
-            <a:br>
-              <a:rPr lang="en-US" dirty="0"/>
-            </a:br>
-            <a:r>
-              <a:rPr lang="en-US" i="1" dirty="0"/>
-              <a:t>Source: Bureau of Transportation Statistics.</a:t>
-            </a:r>
-          </a:p>
-          <a:p>
-            <a:r>
-              <a:rPr lang="en-US" dirty="0"/>
-              <a:t>Before start implementing this experiment </a:t>
-            </a:r>
-          </a:p>
-          <a:p>
-            <a:pPr lvl="1"/>
-            <a:r>
-              <a:rPr lang="en-US" sz="1600" dirty="0"/>
-              <a:t>Departure or Arrival Date is in HHMM format. </a:t>
-            </a:r>
-            <a:br>
-              <a:rPr lang="en-US" sz="1600" dirty="0"/>
-            </a:br>
-            <a:r>
-              <a:rPr lang="en-US" sz="1600" dirty="0"/>
-              <a:t>So to round any the closest hour, we will divide it by 100 and then round the result (using floor() math operation) to get the integer number of a given number. </a:t>
-            </a:r>
-            <a:br>
-              <a:rPr lang="en-US" sz="1600" dirty="0"/>
-            </a:br>
-            <a:r>
-              <a:rPr lang="en-US" sz="1600" dirty="0"/>
-              <a:t>For example: 1135. We will apply divide op.: (1135/100) = 11.35, then round op. using Floor(11.35) = 11.</a:t>
-            </a:r>
-          </a:p>
-          <a:p>
-            <a:pPr lvl="1"/>
-            <a:r>
-              <a:rPr lang="en-US" sz="1600" b="1" u="sng" dirty="0">
-                <a:highlight>
-                  <a:srgbClr val="FFFF00"/>
-                </a:highlight>
-              </a:rPr>
-              <a:t>Categorical Variables</a:t>
-            </a:r>
-            <a:r>
-              <a:rPr lang="en-US" sz="1600" dirty="0"/>
-              <a:t> are those that represent a fixed number of possible values, rather than a continuous number. </a:t>
-            </a:r>
-            <a:br>
-              <a:rPr lang="en-US" sz="1600" dirty="0"/>
-            </a:br>
-            <a:r>
-              <a:rPr lang="en-US" sz="1600" dirty="0"/>
-              <a:t>In this experiment, the columns Carrier, </a:t>
-            </a:r>
-            <a:r>
-              <a:rPr lang="en-US" sz="1600" dirty="0" err="1"/>
-              <a:t>OriginAirportID</a:t>
-            </a:r>
-            <a:r>
-              <a:rPr lang="en-US" sz="1600" dirty="0"/>
-              <a:t>, and </a:t>
-            </a:r>
-            <a:r>
-              <a:rPr lang="en-US" sz="1600" dirty="0" err="1"/>
-              <a:t>DestAirportID</a:t>
-            </a:r>
-            <a:r>
-              <a:rPr lang="en-US" sz="1600" dirty="0"/>
-              <a:t> represent categorical attributes.</a:t>
-            </a:r>
-          </a:p>
-          <a:p>
-            <a:pPr lvl="1"/>
-            <a:r>
-              <a:rPr lang="en-US" sz="1600" dirty="0"/>
-              <a:t>Binning or grouping data (some time called quantization) is an important tool in preparing numeric data for machine learning. </a:t>
-            </a:r>
-            <a:br>
-              <a:rPr lang="en-US" sz="1600" dirty="0"/>
-            </a:br>
-            <a:r>
-              <a:rPr lang="en-US" sz="1600" dirty="0"/>
-              <a:t>In this experiment, we are using group data into bins using Quantiles binning mode. </a:t>
-            </a:r>
-            <a:br>
-              <a:rPr lang="en-US" sz="1600" dirty="0"/>
-            </a:br>
-            <a:r>
-              <a:rPr lang="en-US" sz="1600" dirty="0"/>
-              <a:t>Quantiles is also known as equal Hight binning. </a:t>
-            </a:r>
-            <a:br>
-              <a:rPr lang="en-US" sz="1600" dirty="0"/>
-            </a:br>
-            <a:r>
-              <a:rPr lang="en-US" sz="1600" dirty="0"/>
-              <a:t>This applies to all numeric values in selected flight delays dataset.</a:t>
-            </a:r>
-          </a:p>
-          <a:p>
-            <a:pPr lvl="1"/>
-            <a:r>
-              <a:rPr lang="en-US" sz="1600" dirty="0"/>
-              <a:t>In this experiment, we used sweep parameters (Tune Model Hyperparameter): Performs a parameter sweep on a model to determine the optimum parameter settings.</a:t>
-            </a:r>
-          </a:p>
-          <a:p>
-            <a:pPr lvl="1"/>
-            <a:r>
-              <a:rPr lang="en-US" sz="1600" dirty="0"/>
-              <a:t>In this experiment, we used AUC as a metric for measuring performance for classification.</a:t>
-            </a:r>
-          </a:p>
-        </p:txBody>
-      </p:sp>
-      <p:sp>
-        <p:nvSpPr>
-          <p:cNvPr id="4" name="Text Placeholder 3"/>
-          <p:cNvSpPr>
-            <a:spLocks noGrp="1"/>
-          </p:cNvSpPr>
-          <p:nvPr>
-            <p:ph type="body" sz="quarter" idx="10"/>
-          </p:nvPr>
-        </p:nvSpPr>
-        <p:spPr/>
-        <p:txBody>
-          <a:bodyPr/>
-          <a:lstStyle/>
-          <a:p>
-            <a:r>
-              <a:rPr lang="en-US" altLang="en-US" dirty="0"/>
-              <a:t>Understanding Flight Delays Data Set</a:t>
-            </a:r>
+            <a:endParaRPr lang="en-US" dirty="0"/>
           </a:p>
         </p:txBody>
       </p:sp>
     </p:spTree>
     <p:extLst>
       <p:ext uri="{BB962C8B-B14F-4D97-AF65-F5344CB8AC3E}">
-        <p14:creationId xmlns:p14="http://schemas.microsoft.com/office/powerpoint/2010/main" val="767170477"/>
+        <p14:creationId xmlns:p14="http://schemas.microsoft.com/office/powerpoint/2010/main" val="1337256537"/>
       </p:ext>
     </p:extLst>
   </p:cSld>
@@ -2543,7 +2549,7 @@
       </p:grpSpPr>
       <p:sp>
         <p:nvSpPr>
-          <p:cNvPr id="5" name="Title 4"/>
+          <p:cNvPr id="2" name="Title 1"/>
           <p:cNvSpPr>
             <a:spLocks noGrp="1"/>
           </p:cNvSpPr>
@@ -2553,27 +2559,25 @@
         </p:nvSpPr>
         <p:spPr/>
         <p:txBody>
-          <a:bodyPr>
-            <a:normAutofit/>
-          </a:bodyPr>
+          <a:bodyPr/>
           <a:lstStyle/>
           <a:p>
             <a:r>
-              <a:rPr lang="pt-BR" sz="2400" dirty="0"/>
-              <a:t>Ex 2: Setup Azure Data Factory</a:t>
-            </a:r>
-            <a:endParaRPr lang="en-US" sz="2400" dirty="0"/>
-          </a:p>
-        </p:txBody>
-      </p:sp>
-      <p:sp>
-        <p:nvSpPr>
-          <p:cNvPr id="6" name="Text Placeholder 5"/>
+              <a:rPr lang="pt-BR" dirty="0"/>
+              <a:t>Azure Data Factory</a:t>
+            </a:r>
+            <a:endParaRPr lang="en-US" dirty="0"/>
+          </a:p>
+        </p:txBody>
+      </p:sp>
+      <p:sp>
+        <p:nvSpPr>
+          <p:cNvPr id="4" name="Text Placeholder 3"/>
           <p:cNvSpPr>
             <a:spLocks noGrp="1"/>
           </p:cNvSpPr>
           <p:nvPr>
-            <p:ph type="body" idx="1"/>
+            <p:ph type="body" sz="quarter" idx="10"/>
           </p:nvPr>
         </p:nvSpPr>
         <p:spPr/>
@@ -2581,14 +2585,333 @@
           <a:bodyPr/>
           <a:lstStyle/>
           <a:p>
-            <a:endParaRPr lang="en-US" dirty="0"/>
-          </a:p>
-        </p:txBody>
-      </p:sp>
+            <a:r>
+              <a:rPr lang="en-US" altLang="en-US" dirty="0"/>
+              <a:t>Automates the movement and transformation of data</a:t>
+            </a:r>
+            <a:endParaRPr lang="en-US" altLang="en-US" dirty="0"/>
+          </a:p>
+        </p:txBody>
+      </p:sp>
+      <p:pic>
+        <p:nvPicPr>
+          <p:cNvPr id="18" name="Picture 17"/>
+          <p:cNvPicPr>
+            <a:picLocks noChangeAspect="1"/>
+          </p:cNvPicPr>
+          <p:nvPr/>
+        </p:nvPicPr>
+        <p:blipFill>
+          <a:blip r:embed="rId2">
+            <a:extLst>
+              <a:ext uri="{28A0092B-C50C-407E-A947-70E740481C1C}">
+                <a14:useLocalDpi xmlns:a14="http://schemas.microsoft.com/office/drawing/2010/main" val="0"/>
+              </a:ext>
+            </a:extLst>
+          </a:blip>
+          <a:stretch>
+            <a:fillRect/>
+          </a:stretch>
+        </p:blipFill>
+        <p:spPr>
+          <a:xfrm>
+            <a:off x="740444" y="3386768"/>
+            <a:ext cx="10711113" cy="2510418"/>
+          </a:xfrm>
+          <a:prstGeom prst="rect">
+            <a:avLst/>
+          </a:prstGeom>
+        </p:spPr>
+      </p:pic>
+      <p:grpSp>
+        <p:nvGrpSpPr>
+          <p:cNvPr id="19" name="Group 18"/>
+          <p:cNvGrpSpPr/>
+          <p:nvPr/>
+        </p:nvGrpSpPr>
+        <p:grpSpPr>
+          <a:xfrm>
+            <a:off x="470829" y="1261753"/>
+            <a:ext cx="11250342" cy="1301895"/>
+            <a:chOff x="2228463" y="5624040"/>
+            <a:chExt cx="10227584" cy="978132"/>
+          </a:xfrm>
+        </p:grpSpPr>
+        <p:sp>
+          <p:nvSpPr>
+            <p:cNvPr id="20" name="TextBox 19"/>
+            <p:cNvSpPr txBox="1"/>
+            <p:nvPr/>
+          </p:nvSpPr>
+          <p:spPr>
+            <a:xfrm>
+              <a:off x="2228463" y="5624040"/>
+              <a:ext cx="5081994" cy="978132"/>
+            </a:xfrm>
+            <a:prstGeom prst="rect">
+              <a:avLst/>
+            </a:prstGeom>
+            <a:noFill/>
+          </p:spPr>
+          <p:txBody>
+            <a:bodyPr wrap="square" lIns="182880" tIns="146304" rIns="182880" bIns="146304" rtlCol="0">
+              <a:spAutoFit/>
+            </a:bodyPr>
+            <a:lstStyle/>
+            <a:p>
+              <a:pPr marL="177800" marR="0" lvl="0" indent="-177800" defTabSz="914400" eaLnBrk="1" fontAlgn="auto" latinLnBrk="0" hangingPunct="1">
+                <a:lnSpc>
+                  <a:spcPct val="90000"/>
+                </a:lnSpc>
+                <a:spcBef>
+                  <a:spcPts val="0"/>
+                </a:spcBef>
+                <a:spcAft>
+                  <a:spcPts val="600"/>
+                </a:spcAft>
+                <a:buClr>
+                  <a:schemeClr val="accent2"/>
+                </a:buClr>
+                <a:buSzTx/>
+                <a:buFont typeface="Arial" panose="020B0604020202020204" pitchFamily="34" charset="0"/>
+                <a:buChar char="•"/>
+                <a:tabLst/>
+                <a:defRPr/>
+              </a:pPr>
+              <a:r>
+                <a:rPr kumimoji="0" lang="en-US" sz="1400" b="0" i="0" u="none" strike="noStrike" kern="0" cap="none" spc="0" normalizeH="0" baseline="0" noProof="0" dirty="0">
+                  <a:ln>
+                    <a:noFill/>
+                  </a:ln>
+                  <a:effectLst/>
+                  <a:uLnTx/>
+                  <a:uFillTx/>
+                </a:rPr>
+                <a:t>Create, schedule, orchestrate, and manage data pipelines</a:t>
+              </a:r>
+            </a:p>
+            <a:p>
+              <a:pPr marL="177800" marR="0" lvl="0" indent="-177800" defTabSz="914400" eaLnBrk="1" fontAlgn="auto" latinLnBrk="0" hangingPunct="1">
+                <a:lnSpc>
+                  <a:spcPct val="90000"/>
+                </a:lnSpc>
+                <a:spcBef>
+                  <a:spcPts val="0"/>
+                </a:spcBef>
+                <a:spcAft>
+                  <a:spcPts val="600"/>
+                </a:spcAft>
+                <a:buClr>
+                  <a:schemeClr val="accent2"/>
+                </a:buClr>
+                <a:buSzTx/>
+                <a:buFont typeface="Arial" panose="020B0604020202020204" pitchFamily="34" charset="0"/>
+                <a:buChar char="•"/>
+                <a:tabLst/>
+                <a:defRPr/>
+              </a:pPr>
+              <a:r>
+                <a:rPr kumimoji="0" lang="en-US" sz="1400" b="0" i="0" u="none" strike="noStrike" kern="0" cap="none" spc="0" normalizeH="0" baseline="0" noProof="0" dirty="0">
+                  <a:ln>
+                    <a:noFill/>
+                  </a:ln>
+                  <a:effectLst/>
+                  <a:uLnTx/>
+                  <a:uFillTx/>
+                </a:rPr>
+                <a:t>Visualize data lineage</a:t>
+              </a:r>
+            </a:p>
+            <a:p>
+              <a:pPr marL="177800" marR="0" lvl="0" indent="-177800" defTabSz="914400" eaLnBrk="1" fontAlgn="auto" latinLnBrk="0" hangingPunct="1">
+                <a:lnSpc>
+                  <a:spcPct val="90000"/>
+                </a:lnSpc>
+                <a:spcBef>
+                  <a:spcPts val="0"/>
+                </a:spcBef>
+                <a:spcAft>
+                  <a:spcPts val="600"/>
+                </a:spcAft>
+                <a:buClr>
+                  <a:schemeClr val="accent2"/>
+                </a:buClr>
+                <a:buSzTx/>
+                <a:buFont typeface="Arial" panose="020B0604020202020204" pitchFamily="34" charset="0"/>
+                <a:buChar char="•"/>
+                <a:tabLst/>
+                <a:defRPr/>
+              </a:pPr>
+              <a:r>
+                <a:rPr kumimoji="0" lang="en-US" sz="1400" b="0" i="0" u="none" strike="noStrike" kern="0" cap="none" spc="0" normalizeH="0" baseline="0" noProof="0" dirty="0">
+                  <a:ln>
+                    <a:noFill/>
+                  </a:ln>
+                  <a:effectLst/>
+                  <a:uLnTx/>
+                  <a:uFillTx/>
+                </a:rPr>
+                <a:t>Connect to on-premises and cloud data sources</a:t>
+              </a:r>
+            </a:p>
+            <a:p>
+              <a:pPr marL="177800" marR="0" lvl="0" indent="-177800" defTabSz="914400" eaLnBrk="1" fontAlgn="auto" latinLnBrk="0" hangingPunct="1">
+                <a:lnSpc>
+                  <a:spcPct val="90000"/>
+                </a:lnSpc>
+                <a:spcBef>
+                  <a:spcPts val="0"/>
+                </a:spcBef>
+                <a:spcAft>
+                  <a:spcPts val="600"/>
+                </a:spcAft>
+                <a:buClr>
+                  <a:schemeClr val="accent2"/>
+                </a:buClr>
+                <a:buSzTx/>
+                <a:buFont typeface="Arial" panose="020B0604020202020204" pitchFamily="34" charset="0"/>
+                <a:buChar char="•"/>
+                <a:tabLst/>
+                <a:defRPr/>
+              </a:pPr>
+              <a:r>
+                <a:rPr kumimoji="0" lang="en-US" sz="1400" b="0" i="0" u="none" strike="noStrike" kern="0" cap="none" spc="0" normalizeH="0" baseline="0" noProof="0" dirty="0">
+                  <a:ln>
+                    <a:noFill/>
+                  </a:ln>
+                  <a:effectLst/>
+                  <a:uLnTx/>
+                  <a:uFillTx/>
+                </a:rPr>
+                <a:t>Monitor data pipeline health</a:t>
+              </a:r>
+            </a:p>
+          </p:txBody>
+        </p:sp>
+        <p:sp>
+          <p:nvSpPr>
+            <p:cNvPr id="21" name="TextBox 20"/>
+            <p:cNvSpPr txBox="1"/>
+            <p:nvPr/>
+          </p:nvSpPr>
+          <p:spPr>
+            <a:xfrm>
+              <a:off x="7408213" y="5630762"/>
+              <a:ext cx="5047834" cy="774643"/>
+            </a:xfrm>
+            <a:prstGeom prst="rect">
+              <a:avLst/>
+            </a:prstGeom>
+            <a:noFill/>
+          </p:spPr>
+          <p:txBody>
+            <a:bodyPr wrap="square" lIns="182880" tIns="146304" rIns="182880" bIns="146304" rtlCol="0">
+              <a:spAutoFit/>
+            </a:bodyPr>
+            <a:lstStyle/>
+            <a:p>
+              <a:pPr marL="177800" marR="0" lvl="0" indent="-177800" defTabSz="914400" eaLnBrk="1" fontAlgn="auto" latinLnBrk="0" hangingPunct="1">
+                <a:lnSpc>
+                  <a:spcPct val="90000"/>
+                </a:lnSpc>
+                <a:spcBef>
+                  <a:spcPts val="0"/>
+                </a:spcBef>
+                <a:spcAft>
+                  <a:spcPts val="600"/>
+                </a:spcAft>
+                <a:buClr>
+                  <a:schemeClr val="accent2"/>
+                </a:buClr>
+                <a:buSzTx/>
+                <a:buFont typeface="Arial" panose="020B0604020202020204" pitchFamily="34" charset="0"/>
+                <a:buChar char="•"/>
+                <a:tabLst/>
+                <a:defRPr/>
+              </a:pPr>
+              <a:r>
+                <a:rPr kumimoji="0" lang="en-US" sz="1400" b="0" i="0" u="none" strike="noStrike" kern="0" cap="none" spc="0" normalizeH="0" baseline="0" noProof="0" dirty="0">
+                  <a:ln>
+                    <a:noFill/>
+                  </a:ln>
+                  <a:effectLst/>
+                  <a:uLnTx/>
+                  <a:uFillTx/>
+                </a:rPr>
+                <a:t>Automate cloud resource management</a:t>
+              </a:r>
+            </a:p>
+            <a:p>
+              <a:pPr marL="177800" marR="0" lvl="0" indent="-177800" defTabSz="914400" eaLnBrk="1" fontAlgn="auto" latinLnBrk="0" hangingPunct="1">
+                <a:lnSpc>
+                  <a:spcPct val="90000"/>
+                </a:lnSpc>
+                <a:spcBef>
+                  <a:spcPts val="0"/>
+                </a:spcBef>
+                <a:spcAft>
+                  <a:spcPts val="600"/>
+                </a:spcAft>
+                <a:buClr>
+                  <a:schemeClr val="accent2"/>
+                </a:buClr>
+                <a:buSzTx/>
+                <a:buFont typeface="Arial" panose="020B0604020202020204" pitchFamily="34" charset="0"/>
+                <a:buChar char="•"/>
+                <a:tabLst/>
+                <a:defRPr/>
+              </a:pPr>
+              <a:r>
+                <a:rPr kumimoji="0" lang="en-US" sz="1400" b="0" i="0" u="none" strike="noStrike" kern="0" cap="none" spc="0" normalizeH="0" baseline="0" noProof="0" dirty="0">
+                  <a:ln>
+                    <a:noFill/>
+                  </a:ln>
+                  <a:effectLst/>
+                  <a:uLnTx/>
+                  <a:uFillTx/>
+                </a:rPr>
+                <a:t>Move relational data for Hadoop processing</a:t>
+              </a:r>
+            </a:p>
+            <a:p>
+              <a:pPr marL="177800" marR="0" lvl="0" indent="-177800" defTabSz="914400" eaLnBrk="1" fontAlgn="auto" latinLnBrk="0" hangingPunct="1">
+                <a:lnSpc>
+                  <a:spcPct val="90000"/>
+                </a:lnSpc>
+                <a:spcBef>
+                  <a:spcPts val="0"/>
+                </a:spcBef>
+                <a:spcAft>
+                  <a:spcPts val="600"/>
+                </a:spcAft>
+                <a:buClr>
+                  <a:schemeClr val="accent2"/>
+                </a:buClr>
+                <a:buSzTx/>
+                <a:buFont typeface="Arial" panose="020B0604020202020204" pitchFamily="34" charset="0"/>
+                <a:buChar char="•"/>
+                <a:tabLst/>
+                <a:defRPr/>
+              </a:pPr>
+              <a:r>
+                <a:rPr kumimoji="0" lang="en-US" sz="1400" b="0" i="0" u="none" strike="noStrike" kern="0" cap="none" spc="0" normalizeH="0" baseline="0" noProof="0" dirty="0">
+                  <a:ln>
+                    <a:noFill/>
+                  </a:ln>
+                  <a:effectLst/>
+                  <a:uLnTx/>
+                  <a:uFillTx/>
+                </a:rPr>
+                <a:t>Transform with Hive, Pig, or custom code</a:t>
+              </a:r>
+            </a:p>
+          </p:txBody>
+        </p:sp>
+      </p:grpSp>
     </p:spTree>
     <p:extLst>
       <p:ext uri="{BB962C8B-B14F-4D97-AF65-F5344CB8AC3E}">
-        <p14:creationId xmlns:p14="http://schemas.microsoft.com/office/powerpoint/2010/main" val="1337256537"/>
+        <p14:creationId xmlns:p14="http://schemas.microsoft.com/office/powerpoint/2010/main" val="426359361"/>
       </p:ext>
     </p:extLst>
   </p:cSld>
@@ -2632,28 +2955,9 @@
           <a:p>
             <a:r>
               <a:rPr lang="pt-BR" dirty="0"/>
-              <a:t>Ex 2: Setup Azure Data Factory</a:t>
+              <a:t>Azure Data Factory</a:t>
             </a:r>
             <a:endParaRPr lang="en-US" dirty="0"/>
-          </a:p>
-        </p:txBody>
-      </p:sp>
-      <p:sp>
-        <p:nvSpPr>
-          <p:cNvPr id="3" name="Content Placeholder 2"/>
-          <p:cNvSpPr>
-            <a:spLocks noGrp="1"/>
-          </p:cNvSpPr>
-          <p:nvPr>
-            <p:ph idx="1"/>
-          </p:nvPr>
-        </p:nvSpPr>
-        <p:spPr/>
-        <p:txBody>
-          <a:bodyPr/>
-          <a:lstStyle/>
-          <a:p>
-            <a:endParaRPr lang="en-US" sz="1600" dirty="0"/>
           </a:p>
         </p:txBody>
       </p:sp>
@@ -2674,15 +2978,331 @@
           <a:p>
             <a:r>
               <a:rPr lang="en-US" altLang="en-US" dirty="0"/>
-              <a:t>Upload data in side of your organization to Azure for analysis</a:t>
-            </a:r>
-          </a:p>
-        </p:txBody>
-      </p:sp>
+              <a:t>Automates the movement and transformation of data</a:t>
+            </a:r>
+            <a:endParaRPr lang="en-US" altLang="en-US" dirty="0"/>
+          </a:p>
+        </p:txBody>
+      </p:sp>
+      <p:grpSp>
+        <p:nvGrpSpPr>
+          <p:cNvPr id="19" name="Group 18"/>
+          <p:cNvGrpSpPr/>
+          <p:nvPr/>
+        </p:nvGrpSpPr>
+        <p:grpSpPr>
+          <a:xfrm>
+            <a:off x="470829" y="1261753"/>
+            <a:ext cx="11250342" cy="1301895"/>
+            <a:chOff x="2228463" y="5624040"/>
+            <a:chExt cx="10227584" cy="978132"/>
+          </a:xfrm>
+        </p:grpSpPr>
+        <p:sp>
+          <p:nvSpPr>
+            <p:cNvPr id="20" name="TextBox 19"/>
+            <p:cNvSpPr txBox="1"/>
+            <p:nvPr/>
+          </p:nvSpPr>
+          <p:spPr>
+            <a:xfrm>
+              <a:off x="2228463" y="5624040"/>
+              <a:ext cx="5081994" cy="978132"/>
+            </a:xfrm>
+            <a:prstGeom prst="rect">
+              <a:avLst/>
+            </a:prstGeom>
+            <a:noFill/>
+          </p:spPr>
+          <p:txBody>
+            <a:bodyPr wrap="square" lIns="182880" tIns="146304" rIns="182880" bIns="146304" rtlCol="0">
+              <a:spAutoFit/>
+            </a:bodyPr>
+            <a:lstStyle/>
+            <a:p>
+              <a:pPr marL="177800" marR="0" lvl="0" indent="-177800" defTabSz="914400" eaLnBrk="1" fontAlgn="auto" latinLnBrk="0" hangingPunct="1">
+                <a:lnSpc>
+                  <a:spcPct val="90000"/>
+                </a:lnSpc>
+                <a:spcBef>
+                  <a:spcPts val="0"/>
+                </a:spcBef>
+                <a:spcAft>
+                  <a:spcPts val="600"/>
+                </a:spcAft>
+                <a:buClr>
+                  <a:schemeClr val="accent2"/>
+                </a:buClr>
+                <a:buSzTx/>
+                <a:buFont typeface="Arial" panose="020B0604020202020204" pitchFamily="34" charset="0"/>
+                <a:buChar char="•"/>
+                <a:tabLst/>
+                <a:defRPr/>
+              </a:pPr>
+              <a:r>
+                <a:rPr kumimoji="0" lang="en-US" sz="1400" b="0" i="0" u="none" strike="noStrike" kern="0" cap="none" spc="0" normalizeH="0" baseline="0" noProof="0" dirty="0">
+                  <a:ln>
+                    <a:noFill/>
+                  </a:ln>
+                  <a:effectLst/>
+                  <a:uLnTx/>
+                  <a:uFillTx/>
+                </a:rPr>
+                <a:t>Create, schedule, orchestrate, and manage data pipelines</a:t>
+              </a:r>
+            </a:p>
+            <a:p>
+              <a:pPr marL="177800" marR="0" lvl="0" indent="-177800" defTabSz="914400" eaLnBrk="1" fontAlgn="auto" latinLnBrk="0" hangingPunct="1">
+                <a:lnSpc>
+                  <a:spcPct val="90000"/>
+                </a:lnSpc>
+                <a:spcBef>
+                  <a:spcPts val="0"/>
+                </a:spcBef>
+                <a:spcAft>
+                  <a:spcPts val="600"/>
+                </a:spcAft>
+                <a:buClr>
+                  <a:schemeClr val="accent2"/>
+                </a:buClr>
+                <a:buSzTx/>
+                <a:buFont typeface="Arial" panose="020B0604020202020204" pitchFamily="34" charset="0"/>
+                <a:buChar char="•"/>
+                <a:tabLst/>
+                <a:defRPr/>
+              </a:pPr>
+              <a:r>
+                <a:rPr kumimoji="0" lang="en-US" sz="1400" b="0" i="0" u="none" strike="noStrike" kern="0" cap="none" spc="0" normalizeH="0" baseline="0" noProof="0" dirty="0">
+                  <a:ln>
+                    <a:noFill/>
+                  </a:ln>
+                  <a:effectLst/>
+                  <a:uLnTx/>
+                  <a:uFillTx/>
+                </a:rPr>
+                <a:t>Visualize data lineage</a:t>
+              </a:r>
+            </a:p>
+            <a:p>
+              <a:pPr marL="177800" marR="0" lvl="0" indent="-177800" defTabSz="914400" eaLnBrk="1" fontAlgn="auto" latinLnBrk="0" hangingPunct="1">
+                <a:lnSpc>
+                  <a:spcPct val="90000"/>
+                </a:lnSpc>
+                <a:spcBef>
+                  <a:spcPts val="0"/>
+                </a:spcBef>
+                <a:spcAft>
+                  <a:spcPts val="600"/>
+                </a:spcAft>
+                <a:buClr>
+                  <a:schemeClr val="accent2"/>
+                </a:buClr>
+                <a:buSzTx/>
+                <a:buFont typeface="Arial" panose="020B0604020202020204" pitchFamily="34" charset="0"/>
+                <a:buChar char="•"/>
+                <a:tabLst/>
+                <a:defRPr/>
+              </a:pPr>
+              <a:r>
+                <a:rPr kumimoji="0" lang="en-US" sz="1400" b="0" i="0" u="none" strike="noStrike" kern="0" cap="none" spc="0" normalizeH="0" baseline="0" noProof="0" dirty="0">
+                  <a:ln>
+                    <a:noFill/>
+                  </a:ln>
+                  <a:effectLst/>
+                  <a:uLnTx/>
+                  <a:uFillTx/>
+                </a:rPr>
+                <a:t>Connect to on-premises and cloud data sources</a:t>
+              </a:r>
+            </a:p>
+            <a:p>
+              <a:pPr marL="177800" marR="0" lvl="0" indent="-177800" defTabSz="914400" eaLnBrk="1" fontAlgn="auto" latinLnBrk="0" hangingPunct="1">
+                <a:lnSpc>
+                  <a:spcPct val="90000"/>
+                </a:lnSpc>
+                <a:spcBef>
+                  <a:spcPts val="0"/>
+                </a:spcBef>
+                <a:spcAft>
+                  <a:spcPts val="600"/>
+                </a:spcAft>
+                <a:buClr>
+                  <a:schemeClr val="accent2"/>
+                </a:buClr>
+                <a:buSzTx/>
+                <a:buFont typeface="Arial" panose="020B0604020202020204" pitchFamily="34" charset="0"/>
+                <a:buChar char="•"/>
+                <a:tabLst/>
+                <a:defRPr/>
+              </a:pPr>
+              <a:r>
+                <a:rPr kumimoji="0" lang="en-US" sz="1400" b="0" i="0" u="none" strike="noStrike" kern="0" cap="none" spc="0" normalizeH="0" baseline="0" noProof="0" dirty="0">
+                  <a:ln>
+                    <a:noFill/>
+                  </a:ln>
+                  <a:effectLst/>
+                  <a:uLnTx/>
+                  <a:uFillTx/>
+                </a:rPr>
+                <a:t>Monitor data pipeline health</a:t>
+              </a:r>
+            </a:p>
+          </p:txBody>
+        </p:sp>
+        <p:sp>
+          <p:nvSpPr>
+            <p:cNvPr id="21" name="TextBox 20"/>
+            <p:cNvSpPr txBox="1"/>
+            <p:nvPr/>
+          </p:nvSpPr>
+          <p:spPr>
+            <a:xfrm>
+              <a:off x="7408213" y="5630762"/>
+              <a:ext cx="5047834" cy="774643"/>
+            </a:xfrm>
+            <a:prstGeom prst="rect">
+              <a:avLst/>
+            </a:prstGeom>
+            <a:noFill/>
+          </p:spPr>
+          <p:txBody>
+            <a:bodyPr wrap="square" lIns="182880" tIns="146304" rIns="182880" bIns="146304" rtlCol="0">
+              <a:spAutoFit/>
+            </a:bodyPr>
+            <a:lstStyle/>
+            <a:p>
+              <a:pPr marL="177800" marR="0" lvl="0" indent="-177800" defTabSz="914400" eaLnBrk="1" fontAlgn="auto" latinLnBrk="0" hangingPunct="1">
+                <a:lnSpc>
+                  <a:spcPct val="90000"/>
+                </a:lnSpc>
+                <a:spcBef>
+                  <a:spcPts val="0"/>
+                </a:spcBef>
+                <a:spcAft>
+                  <a:spcPts val="600"/>
+                </a:spcAft>
+                <a:buClr>
+                  <a:schemeClr val="accent2"/>
+                </a:buClr>
+                <a:buSzTx/>
+                <a:buFont typeface="Arial" panose="020B0604020202020204" pitchFamily="34" charset="0"/>
+                <a:buChar char="•"/>
+                <a:tabLst/>
+                <a:defRPr/>
+              </a:pPr>
+              <a:r>
+                <a:rPr kumimoji="0" lang="en-US" sz="1400" b="0" i="0" u="none" strike="noStrike" kern="0" cap="none" spc="0" normalizeH="0" baseline="0" noProof="0" dirty="0">
+                  <a:ln>
+                    <a:noFill/>
+                  </a:ln>
+                  <a:effectLst/>
+                  <a:uLnTx/>
+                  <a:uFillTx/>
+                </a:rPr>
+                <a:t>Automate cloud resource management</a:t>
+              </a:r>
+            </a:p>
+            <a:p>
+              <a:pPr marL="177800" marR="0" lvl="0" indent="-177800" defTabSz="914400" eaLnBrk="1" fontAlgn="auto" latinLnBrk="0" hangingPunct="1">
+                <a:lnSpc>
+                  <a:spcPct val="90000"/>
+                </a:lnSpc>
+                <a:spcBef>
+                  <a:spcPts val="0"/>
+                </a:spcBef>
+                <a:spcAft>
+                  <a:spcPts val="600"/>
+                </a:spcAft>
+                <a:buClr>
+                  <a:schemeClr val="accent2"/>
+                </a:buClr>
+                <a:buSzTx/>
+                <a:buFont typeface="Arial" panose="020B0604020202020204" pitchFamily="34" charset="0"/>
+                <a:buChar char="•"/>
+                <a:tabLst/>
+                <a:defRPr/>
+              </a:pPr>
+              <a:r>
+                <a:rPr kumimoji="0" lang="en-US" sz="1400" b="0" i="0" u="none" strike="noStrike" kern="0" cap="none" spc="0" normalizeH="0" baseline="0" noProof="0" dirty="0">
+                  <a:ln>
+                    <a:noFill/>
+                  </a:ln>
+                  <a:effectLst/>
+                  <a:uLnTx/>
+                  <a:uFillTx/>
+                </a:rPr>
+                <a:t>Move relational data for Hadoop processing</a:t>
+              </a:r>
+            </a:p>
+            <a:p>
+              <a:pPr marL="177800" marR="0" lvl="0" indent="-177800" defTabSz="914400" eaLnBrk="1" fontAlgn="auto" latinLnBrk="0" hangingPunct="1">
+                <a:lnSpc>
+                  <a:spcPct val="90000"/>
+                </a:lnSpc>
+                <a:spcBef>
+                  <a:spcPts val="0"/>
+                </a:spcBef>
+                <a:spcAft>
+                  <a:spcPts val="600"/>
+                </a:spcAft>
+                <a:buClr>
+                  <a:schemeClr val="accent2"/>
+                </a:buClr>
+                <a:buSzTx/>
+                <a:buFont typeface="Arial" panose="020B0604020202020204" pitchFamily="34" charset="0"/>
+                <a:buChar char="•"/>
+                <a:tabLst/>
+                <a:defRPr/>
+              </a:pPr>
+              <a:r>
+                <a:rPr kumimoji="0" lang="en-US" sz="1400" b="0" i="0" u="none" strike="noStrike" kern="0" cap="none" spc="0" normalizeH="0" baseline="0" noProof="0" dirty="0">
+                  <a:ln>
+                    <a:noFill/>
+                  </a:ln>
+                  <a:effectLst/>
+                  <a:uLnTx/>
+                  <a:uFillTx/>
+                </a:rPr>
+                <a:t>Transform with Hive, Pig, or custom code</a:t>
+              </a:r>
+            </a:p>
+          </p:txBody>
+        </p:sp>
+      </p:grpSp>
+      <p:pic>
+        <p:nvPicPr>
+          <p:cNvPr id="23" name="Picture 22"/>
+          <p:cNvPicPr>
+            <a:picLocks noChangeAspect="1"/>
+          </p:cNvPicPr>
+          <p:nvPr/>
+        </p:nvPicPr>
+        <p:blipFill>
+          <a:blip r:embed="rId2">
+            <a:extLst>
+              <a:ext uri="{28A0092B-C50C-407E-A947-70E740481C1C}">
+                <a14:useLocalDpi xmlns:a14="http://schemas.microsoft.com/office/drawing/2010/main" val="0"/>
+              </a:ext>
+            </a:extLst>
+          </a:blip>
+          <a:stretch>
+            <a:fillRect/>
+          </a:stretch>
+        </p:blipFill>
+        <p:spPr>
+          <a:xfrm>
+            <a:off x="641397" y="3329691"/>
+            <a:ext cx="10909206" cy="1368888"/>
+          </a:xfrm>
+          <a:prstGeom prst="rect">
+            <a:avLst/>
+          </a:prstGeom>
+        </p:spPr>
+      </p:pic>
     </p:spTree>
     <p:extLst>
       <p:ext uri="{BB962C8B-B14F-4D97-AF65-F5344CB8AC3E}">
-        <p14:creationId xmlns:p14="http://schemas.microsoft.com/office/powerpoint/2010/main" val="426359361"/>
+        <p14:creationId xmlns:p14="http://schemas.microsoft.com/office/powerpoint/2010/main" val="2847038141"/>
       </p:ext>
     </p:extLst>
   </p:cSld>
@@ -2790,7 +3410,7 @@
       </p:grpSpPr>
       <p:sp>
         <p:nvSpPr>
-          <p:cNvPr id="5" name="Title 4"/>
+          <p:cNvPr id="4" name="Title 3"/>
           <p:cNvSpPr>
             <a:spLocks noGrp="1"/>
           </p:cNvSpPr>
@@ -2798,37 +3418,26 @@
             <p:ph type="title"/>
           </p:nvPr>
         </p:nvSpPr>
-        <p:spPr>
-          <a:xfrm>
-            <a:off x="831851" y="2328063"/>
-            <a:ext cx="10515600" cy="1615672"/>
-          </a:xfrm>
-        </p:spPr>
-        <p:txBody>
-          <a:bodyPr>
-            <a:normAutofit/>
-          </a:bodyPr>
+        <p:spPr/>
+        <p:txBody>
+          <a:bodyPr/>
           <a:lstStyle/>
           <a:p>
             <a:r>
-              <a:rPr lang="pt-BR" sz="2400" dirty="0"/>
-              <a:t>Ex </a:t>
-            </a:r>
-            <a:r>
-              <a:rPr lang="en-US" sz="2400" dirty="0"/>
-              <a:t>4: Operationalize ML Scoring with Azure ML and Data Factory</a:t>
-            </a:r>
-          </a:p>
-        </p:txBody>
-      </p:sp>
-      <p:sp>
-        <p:nvSpPr>
-          <p:cNvPr id="2" name="Text Placeholder 1"/>
+              <a:rPr lang="en-US" dirty="0"/>
+              <a:t>Move Data</a:t>
+            </a:r>
+          </a:p>
+        </p:txBody>
+      </p:sp>
+      <p:sp>
+        <p:nvSpPr>
+          <p:cNvPr id="6" name="Text Placeholder 5"/>
           <p:cNvSpPr>
             <a:spLocks noGrp="1"/>
           </p:cNvSpPr>
           <p:nvPr>
-            <p:ph type="body" idx="1"/>
+            <p:ph type="body" sz="quarter" idx="10"/>
           </p:nvPr>
         </p:nvSpPr>
         <p:spPr/>
@@ -2836,14 +3445,533 @@
           <a:bodyPr/>
           <a:lstStyle/>
           <a:p>
-            <a:endParaRPr lang="en-US"/>
-          </a:p>
-        </p:txBody>
-      </p:sp>
+            <a:r>
+              <a:rPr lang="en-US" dirty="0"/>
+              <a:t>Copy on-premises data to cloud</a:t>
+            </a:r>
+          </a:p>
+        </p:txBody>
+      </p:sp>
+      <p:pic>
+        <p:nvPicPr>
+          <p:cNvPr id="7" name="Picture 6"/>
+          <p:cNvPicPr>
+            <a:picLocks noChangeAspect="1"/>
+          </p:cNvPicPr>
+          <p:nvPr/>
+        </p:nvPicPr>
+        <p:blipFill>
+          <a:blip r:embed="rId2">
+            <a:extLst>
+              <a:ext uri="{28A0092B-C50C-407E-A947-70E740481C1C}">
+                <a14:useLocalDpi xmlns:a14="http://schemas.microsoft.com/office/drawing/2010/main" val="0"/>
+              </a:ext>
+            </a:extLst>
+          </a:blip>
+          <a:stretch>
+            <a:fillRect/>
+          </a:stretch>
+        </p:blipFill>
+        <p:spPr>
+          <a:xfrm>
+            <a:off x="5576359" y="1631626"/>
+            <a:ext cx="780290" cy="780290"/>
+          </a:xfrm>
+          <a:prstGeom prst="rect">
+            <a:avLst/>
+          </a:prstGeom>
+          <a:ln>
+            <a:noFill/>
+          </a:ln>
+          <a:effectLst>
+            <a:outerShdw blurRad="292100" dist="139700" dir="2700000" algn="tl" rotWithShape="0">
+              <a:srgbClr val="333333">
+                <a:alpha val="65000"/>
+              </a:srgbClr>
+            </a:outerShdw>
+          </a:effectLst>
+        </p:spPr>
+      </p:pic>
+      <p:pic>
+        <p:nvPicPr>
+          <p:cNvPr id="11" name="Picture 10"/>
+          <p:cNvPicPr>
+            <a:picLocks noChangeAspect="1"/>
+          </p:cNvPicPr>
+          <p:nvPr/>
+        </p:nvPicPr>
+        <p:blipFill>
+          <a:blip r:embed="rId3">
+            <a:extLst>
+              <a:ext uri="{28A0092B-C50C-407E-A947-70E740481C1C}">
+                <a14:useLocalDpi xmlns:a14="http://schemas.microsoft.com/office/drawing/2010/main" val="0"/>
+              </a:ext>
+            </a:extLst>
+          </a:blip>
+          <a:stretch>
+            <a:fillRect/>
+          </a:stretch>
+        </p:blipFill>
+        <p:spPr>
+          <a:xfrm>
+            <a:off x="828437" y="2634479"/>
+            <a:ext cx="780290" cy="780290"/>
+          </a:xfrm>
+          <a:prstGeom prst="rect">
+            <a:avLst/>
+          </a:prstGeom>
+        </p:spPr>
+      </p:pic>
+      <p:pic>
+        <p:nvPicPr>
+          <p:cNvPr id="20" name="Content Placeholder 19"/>
+          <p:cNvPicPr>
+            <a:picLocks noGrp="1" noChangeAspect="1"/>
+          </p:cNvPicPr>
+          <p:nvPr>
+            <p:ph idx="1"/>
+          </p:nvPr>
+        </p:nvPicPr>
+        <p:blipFill>
+          <a:blip r:embed="rId4">
+            <a:extLst>
+              <a:ext uri="{28A0092B-C50C-407E-A947-70E740481C1C}">
+                <a14:useLocalDpi xmlns:a14="http://schemas.microsoft.com/office/drawing/2010/main" val="0"/>
+              </a:ext>
+            </a:extLst>
+          </a:blip>
+          <a:stretch>
+            <a:fillRect/>
+          </a:stretch>
+        </p:blipFill>
+        <p:spPr>
+          <a:xfrm>
+            <a:off x="2771775" y="3796910"/>
+            <a:ext cx="6648450" cy="2638425"/>
+          </a:xfrm>
+          <a:prstGeom prst="rect">
+            <a:avLst/>
+          </a:prstGeom>
+          <a:ln>
+            <a:noFill/>
+          </a:ln>
+          <a:effectLst>
+            <a:outerShdw blurRad="292100" dist="139700" dir="2700000" algn="tl" rotWithShape="0">
+              <a:srgbClr val="333333">
+                <a:alpha val="65000"/>
+              </a:srgbClr>
+            </a:outerShdw>
+          </a:effectLst>
+        </p:spPr>
+      </p:pic>
+      <p:sp>
+        <p:nvSpPr>
+          <p:cNvPr id="21" name="Cylinder 20"/>
+          <p:cNvSpPr/>
+          <p:nvPr/>
+        </p:nvSpPr>
+        <p:spPr>
+          <a:xfrm rot="5400000">
+            <a:off x="5576914" y="1541485"/>
+            <a:ext cx="853298" cy="2966279"/>
+          </a:xfrm>
+          <a:prstGeom prst="can">
+            <a:avLst/>
+          </a:prstGeom>
+        </p:spPr>
+        <p:style>
+          <a:lnRef idx="2">
+            <a:schemeClr val="accent1">
+              <a:shade val="50000"/>
+            </a:schemeClr>
+          </a:lnRef>
+          <a:fillRef idx="1">
+            <a:schemeClr val="accent1"/>
+          </a:fillRef>
+          <a:effectRef idx="0">
+            <a:schemeClr val="accent1"/>
+          </a:effectRef>
+          <a:fontRef idx="minor">
+            <a:schemeClr val="lt1"/>
+          </a:fontRef>
+        </p:style>
+        <p:txBody>
+          <a:bodyPr vert="vert270" rtlCol="0" anchor="ctr"/>
+          <a:lstStyle/>
+          <a:p>
+            <a:pPr algn="ctr"/>
+            <a:r>
+              <a:rPr lang="en-US" dirty="0"/>
+              <a:t>Pipeline</a:t>
+            </a:r>
+          </a:p>
+        </p:txBody>
+      </p:sp>
+      <p:pic>
+        <p:nvPicPr>
+          <p:cNvPr id="22" name="Picture 21"/>
+          <p:cNvPicPr>
+            <a:picLocks noChangeAspect="1"/>
+          </p:cNvPicPr>
+          <p:nvPr/>
+        </p:nvPicPr>
+        <p:blipFill>
+          <a:blip r:embed="rId5">
+            <a:extLst>
+              <a:ext uri="{28A0092B-C50C-407E-A947-70E740481C1C}">
+                <a14:useLocalDpi xmlns:a14="http://schemas.microsoft.com/office/drawing/2010/main" val="0"/>
+              </a:ext>
+            </a:extLst>
+          </a:blip>
+          <a:stretch>
+            <a:fillRect/>
+          </a:stretch>
+        </p:blipFill>
+        <p:spPr>
+          <a:xfrm>
+            <a:off x="8058924" y="2634479"/>
+            <a:ext cx="780290" cy="780290"/>
+          </a:xfrm>
+          <a:prstGeom prst="rect">
+            <a:avLst/>
+          </a:prstGeom>
+        </p:spPr>
+      </p:pic>
+      <p:pic>
+        <p:nvPicPr>
+          <p:cNvPr id="24" name="Picture 23"/>
+          <p:cNvPicPr>
+            <a:picLocks noChangeAspect="1"/>
+          </p:cNvPicPr>
+          <p:nvPr/>
+        </p:nvPicPr>
+        <p:blipFill>
+          <a:blip r:embed="rId6">
+            <a:extLst>
+              <a:ext uri="{28A0092B-C50C-407E-A947-70E740481C1C}">
+                <a14:useLocalDpi xmlns:a14="http://schemas.microsoft.com/office/drawing/2010/main" val="0"/>
+              </a:ext>
+            </a:extLst>
+          </a:blip>
+          <a:stretch>
+            <a:fillRect/>
+          </a:stretch>
+        </p:blipFill>
+        <p:spPr>
+          <a:xfrm>
+            <a:off x="2274254" y="2634479"/>
+            <a:ext cx="780290" cy="780290"/>
+          </a:xfrm>
+          <a:prstGeom prst="rect">
+            <a:avLst/>
+          </a:prstGeom>
+        </p:spPr>
+      </p:pic>
+      <p:cxnSp>
+        <p:nvCxnSpPr>
+          <p:cNvPr id="26" name="Straight Arrow Connector 25"/>
+          <p:cNvCxnSpPr>
+            <a:stCxn id="11" idx="3"/>
+            <a:endCxn id="24" idx="1"/>
+          </p:cNvCxnSpPr>
+          <p:nvPr/>
+        </p:nvCxnSpPr>
+        <p:spPr>
+          <a:xfrm>
+            <a:off x="1608727" y="3024624"/>
+            <a:ext cx="665527" cy="0"/>
+          </a:xfrm>
+          <a:prstGeom prst="straightConnector1">
+            <a:avLst/>
+          </a:prstGeom>
+          <a:ln>
+            <a:headEnd type="triangle"/>
+            <a:tailEnd type="triangle"/>
+          </a:ln>
+        </p:spPr>
+        <p:style>
+          <a:lnRef idx="1">
+            <a:schemeClr val="accent1"/>
+          </a:lnRef>
+          <a:fillRef idx="0">
+            <a:schemeClr val="accent1"/>
+          </a:fillRef>
+          <a:effectRef idx="0">
+            <a:schemeClr val="accent1"/>
+          </a:effectRef>
+          <a:fontRef idx="minor">
+            <a:schemeClr val="tx1"/>
+          </a:fontRef>
+        </p:style>
+      </p:cxnSp>
+      <p:cxnSp>
+        <p:nvCxnSpPr>
+          <p:cNvPr id="27" name="Straight Arrow Connector 26"/>
+          <p:cNvCxnSpPr>
+            <a:stCxn id="24" idx="3"/>
+          </p:cNvCxnSpPr>
+          <p:nvPr/>
+        </p:nvCxnSpPr>
+        <p:spPr>
+          <a:xfrm>
+            <a:off x="3054544" y="3024624"/>
+            <a:ext cx="1417827" cy="0"/>
+          </a:xfrm>
+          <a:prstGeom prst="straightConnector1">
+            <a:avLst/>
+          </a:prstGeom>
+          <a:ln>
+            <a:headEnd type="triangle"/>
+            <a:tailEnd type="triangle"/>
+          </a:ln>
+        </p:spPr>
+        <p:style>
+          <a:lnRef idx="1">
+            <a:schemeClr val="accent1"/>
+          </a:lnRef>
+          <a:fillRef idx="0">
+            <a:schemeClr val="accent1"/>
+          </a:fillRef>
+          <a:effectRef idx="0">
+            <a:schemeClr val="accent1"/>
+          </a:effectRef>
+          <a:fontRef idx="minor">
+            <a:schemeClr val="tx1"/>
+          </a:fontRef>
+        </p:style>
+      </p:cxnSp>
+      <p:pic>
+        <p:nvPicPr>
+          <p:cNvPr id="33" name="Picture 32"/>
+          <p:cNvPicPr>
+            <a:picLocks noChangeAspect="1"/>
+          </p:cNvPicPr>
+          <p:nvPr/>
+        </p:nvPicPr>
+        <p:blipFill>
+          <a:blip r:embed="rId7">
+            <a:extLst>
+              <a:ext uri="{28A0092B-C50C-407E-A947-70E740481C1C}">
+                <a14:useLocalDpi xmlns:a14="http://schemas.microsoft.com/office/drawing/2010/main" val="0"/>
+              </a:ext>
+            </a:extLst>
+          </a:blip>
+          <a:stretch>
+            <a:fillRect/>
+          </a:stretch>
+        </p:blipFill>
+        <p:spPr>
+          <a:xfrm>
+            <a:off x="3349988" y="2634479"/>
+            <a:ext cx="780290" cy="780290"/>
+          </a:xfrm>
+          <a:prstGeom prst="rect">
+            <a:avLst/>
+          </a:prstGeom>
+        </p:spPr>
+      </p:pic>
+      <p:sp>
+        <p:nvSpPr>
+          <p:cNvPr id="35" name="TextBox 34"/>
+          <p:cNvSpPr txBox="1"/>
+          <p:nvPr/>
+        </p:nvSpPr>
+        <p:spPr>
+          <a:xfrm>
+            <a:off x="2075681" y="1994421"/>
+            <a:ext cx="748923" cy="507831"/>
+          </a:xfrm>
+          <a:prstGeom prst="rect">
+            <a:avLst/>
+          </a:prstGeom>
+          <a:noFill/>
+        </p:spPr>
+        <p:txBody>
+          <a:bodyPr wrap="none" rtlCol="0">
+            <a:spAutoFit/>
+          </a:bodyPr>
+          <a:lstStyle/>
+          <a:p>
+            <a:pPr algn="ctr"/>
+            <a:r>
+              <a:rPr lang="en-US" sz="900" dirty="0"/>
+              <a:t>Data</a:t>
+            </a:r>
+          </a:p>
+          <a:p>
+            <a:pPr algn="ctr"/>
+            <a:r>
+              <a:rPr lang="en-US" sz="900" dirty="0"/>
+              <a:t>Movement</a:t>
+            </a:r>
+          </a:p>
+          <a:p>
+            <a:pPr algn="ctr"/>
+            <a:r>
+              <a:rPr lang="en-US" sz="900" dirty="0"/>
+              <a:t>Gateway</a:t>
+            </a:r>
+          </a:p>
+        </p:txBody>
+      </p:sp>
+      <p:sp>
+        <p:nvSpPr>
+          <p:cNvPr id="36" name="TextBox 35"/>
+          <p:cNvSpPr txBox="1"/>
+          <p:nvPr/>
+        </p:nvSpPr>
+        <p:spPr>
+          <a:xfrm>
+            <a:off x="3475557" y="2132920"/>
+            <a:ext cx="575800" cy="230832"/>
+          </a:xfrm>
+          <a:prstGeom prst="rect">
+            <a:avLst/>
+          </a:prstGeom>
+          <a:noFill/>
+        </p:spPr>
+        <p:txBody>
+          <a:bodyPr wrap="none" rtlCol="0">
+            <a:spAutoFit/>
+          </a:bodyPr>
+          <a:lstStyle/>
+          <a:p>
+            <a:pPr algn="ctr"/>
+            <a:r>
+              <a:rPr lang="en-US" sz="900" dirty="0"/>
+              <a:t>Firewall</a:t>
+            </a:r>
+          </a:p>
+        </p:txBody>
+      </p:sp>
+      <p:sp>
+        <p:nvSpPr>
+          <p:cNvPr id="37" name="TextBox 36"/>
+          <p:cNvSpPr txBox="1"/>
+          <p:nvPr/>
+        </p:nvSpPr>
+        <p:spPr>
+          <a:xfrm>
+            <a:off x="1012436" y="2132920"/>
+            <a:ext cx="412292" cy="230832"/>
+          </a:xfrm>
+          <a:prstGeom prst="rect">
+            <a:avLst/>
+          </a:prstGeom>
+          <a:noFill/>
+        </p:spPr>
+        <p:txBody>
+          <a:bodyPr wrap="none" rtlCol="0">
+            <a:spAutoFit/>
+          </a:bodyPr>
+          <a:lstStyle/>
+          <a:p>
+            <a:pPr algn="ctr"/>
+            <a:r>
+              <a:rPr lang="en-US" sz="900" dirty="0"/>
+              <a:t>Files</a:t>
+            </a:r>
+          </a:p>
+        </p:txBody>
+      </p:sp>
+      <p:sp>
+        <p:nvSpPr>
+          <p:cNvPr id="38" name="TextBox 37"/>
+          <p:cNvSpPr txBox="1"/>
+          <p:nvPr/>
+        </p:nvSpPr>
+        <p:spPr>
+          <a:xfrm>
+            <a:off x="8233984" y="2132920"/>
+            <a:ext cx="412292" cy="230832"/>
+          </a:xfrm>
+          <a:prstGeom prst="rect">
+            <a:avLst/>
+          </a:prstGeom>
+          <a:noFill/>
+        </p:spPr>
+        <p:txBody>
+          <a:bodyPr wrap="none" rtlCol="0">
+            <a:spAutoFit/>
+          </a:bodyPr>
+          <a:lstStyle/>
+          <a:p>
+            <a:pPr algn="ctr"/>
+            <a:r>
+              <a:rPr lang="en-US" sz="900" dirty="0"/>
+              <a:t>Files</a:t>
+            </a:r>
+          </a:p>
+        </p:txBody>
+      </p:sp>
+      <p:sp>
+        <p:nvSpPr>
+          <p:cNvPr id="39" name="TextBox 38"/>
+          <p:cNvSpPr txBox="1"/>
+          <p:nvPr/>
+        </p:nvSpPr>
+        <p:spPr>
+          <a:xfrm>
+            <a:off x="5544755" y="1348932"/>
+            <a:ext cx="843501" cy="230832"/>
+          </a:xfrm>
+          <a:prstGeom prst="rect">
+            <a:avLst/>
+          </a:prstGeom>
+          <a:noFill/>
+        </p:spPr>
+        <p:txBody>
+          <a:bodyPr wrap="none" rtlCol="0">
+            <a:spAutoFit/>
+          </a:bodyPr>
+          <a:lstStyle/>
+          <a:p>
+            <a:pPr algn="ctr"/>
+            <a:r>
+              <a:rPr lang="en-US" sz="900" dirty="0"/>
+              <a:t>Data Factory</a:t>
+            </a:r>
+          </a:p>
+        </p:txBody>
+      </p:sp>
+      <p:cxnSp>
+        <p:nvCxnSpPr>
+          <p:cNvPr id="40" name="Straight Arrow Connector 39"/>
+          <p:cNvCxnSpPr/>
+          <p:nvPr/>
+        </p:nvCxnSpPr>
+        <p:spPr>
+          <a:xfrm>
+            <a:off x="7393397" y="3024624"/>
+            <a:ext cx="665527" cy="0"/>
+          </a:xfrm>
+          <a:prstGeom prst="straightConnector1">
+            <a:avLst/>
+          </a:prstGeom>
+          <a:ln>
+            <a:headEnd type="triangle"/>
+            <a:tailEnd type="triangle"/>
+          </a:ln>
+        </p:spPr>
+        <p:style>
+          <a:lnRef idx="1">
+            <a:schemeClr val="accent1"/>
+          </a:lnRef>
+          <a:fillRef idx="0">
+            <a:schemeClr val="accent1"/>
+          </a:fillRef>
+          <a:effectRef idx="0">
+            <a:schemeClr val="accent1"/>
+          </a:effectRef>
+          <a:fontRef idx="minor">
+            <a:schemeClr val="tx1"/>
+          </a:fontRef>
+        </p:style>
+      </p:cxnSp>
     </p:spTree>
     <p:extLst>
       <p:ext uri="{BB962C8B-B14F-4D97-AF65-F5344CB8AC3E}">
-        <p14:creationId xmlns:p14="http://schemas.microsoft.com/office/powerpoint/2010/main" val="3926650561"/>
+        <p14:creationId xmlns:p14="http://schemas.microsoft.com/office/powerpoint/2010/main" val="1166132815"/>
       </p:ext>
     </p:extLst>
   </p:cSld>
@@ -2893,19 +4021,19 @@
           <a:lstStyle/>
           <a:p>
             <a:r>
-              <a:rPr lang="pt-BR" sz="3200" dirty="0"/>
+              <a:rPr lang="pt-BR" sz="2400" dirty="0"/>
               <a:t>Ex </a:t>
             </a:r>
             <a:r>
-              <a:rPr lang="en-US" sz="3200" dirty="0"/>
-              <a:t>5: Summarize Data Using HDInsight Spark</a:t>
-            </a:r>
-          </a:p>
-        </p:txBody>
-      </p:sp>
-      <p:sp>
-        <p:nvSpPr>
-          <p:cNvPr id="6" name="Text Placeholder 5"/>
+              <a:rPr lang="en-US" sz="2400" dirty="0"/>
+              <a:t>4: Operationalize ML Scoring with Azure ML and Data Factory</a:t>
+            </a:r>
+          </a:p>
+        </p:txBody>
+      </p:sp>
+      <p:sp>
+        <p:nvSpPr>
+          <p:cNvPr id="2" name="Text Placeholder 1"/>
           <p:cNvSpPr>
             <a:spLocks noGrp="1"/>
           </p:cNvSpPr>
@@ -2918,17 +4046,14 @@
           <a:bodyPr/>
           <a:lstStyle/>
           <a:p>
-            <a:r>
-              <a:rPr lang="en-US" dirty="0"/>
-              <a:t>What you will see next.</a:t>
-            </a:r>
+            <a:endParaRPr lang="en-US"/>
           </a:p>
         </p:txBody>
       </p:sp>
     </p:spTree>
     <p:extLst>
       <p:ext uri="{BB962C8B-B14F-4D97-AF65-F5344CB8AC3E}">
-        <p14:creationId xmlns:p14="http://schemas.microsoft.com/office/powerpoint/2010/main" val="973658505"/>
+        <p14:creationId xmlns:p14="http://schemas.microsoft.com/office/powerpoint/2010/main" val="3926650561"/>
       </p:ext>
     </p:extLst>
   </p:cSld>
@@ -2957,7 +4082,7 @@
       </p:grpSpPr>
       <p:sp>
         <p:nvSpPr>
-          <p:cNvPr id="2" name="Title 1"/>
+          <p:cNvPr id="4" name="Title 3"/>
           <p:cNvSpPr>
             <a:spLocks noGrp="1"/>
           </p:cNvSpPr>
@@ -2972,19 +4097,60 @@
           <a:p>
             <a:r>
               <a:rPr lang="en-US" dirty="0"/>
-              <a:t>HDInsight</a:t>
-            </a:r>
-          </a:p>
-        </p:txBody>
-      </p:sp>
-      <p:sp>
-        <p:nvSpPr>
-          <p:cNvPr id="3" name="Content Placeholder 2"/>
+              <a:t>Transform Data</a:t>
+            </a:r>
+          </a:p>
+        </p:txBody>
+      </p:sp>
+      <p:pic>
+        <p:nvPicPr>
+          <p:cNvPr id="13" name="Content Placeholder 12"/>
+          <p:cNvPicPr>
+            <a:picLocks noGrp="1" noChangeAspect="1"/>
+          </p:cNvPicPr>
+          <p:nvPr>
+            <p:ph idx="1"/>
+          </p:nvPr>
+        </p:nvPicPr>
+        <p:blipFill rotWithShape="1">
+          <a:blip r:embed="rId2">
+            <a:extLst>
+              <a:ext uri="{28A0092B-C50C-407E-A947-70E740481C1C}">
+                <a14:useLocalDpi xmlns:a14="http://schemas.microsoft.com/office/drawing/2010/main" val="0"/>
+              </a:ext>
+            </a:extLst>
+          </a:blip>
+          <a:srcRect l="26269" t="12016" b="38257"/>
+          <a:stretch/>
+        </p:blipFill>
+        <p:spPr>
+          <a:xfrm>
+            <a:off x="2609583" y="3796910"/>
+            <a:ext cx="6972834" cy="2843039"/>
+          </a:xfrm>
+          <a:prstGeom prst="rect">
+            <a:avLst/>
+          </a:prstGeom>
+          <a:ln>
+            <a:noFill/>
+          </a:ln>
+          <a:effectLst>
+            <a:outerShdw blurRad="292100" dist="139700" dir="2700000" algn="tl" rotWithShape="0">
+              <a:srgbClr val="333333">
+                <a:alpha val="65000"/>
+              </a:srgbClr>
+            </a:outerShdw>
+          </a:effectLst>
+        </p:spPr>
+      </p:pic>
+      <p:sp>
+        <p:nvSpPr>
+          <p:cNvPr id="6" name="Text Placeholder 5"/>
           <p:cNvSpPr>
             <a:spLocks noGrp="1"/>
           </p:cNvSpPr>
           <p:nvPr>
-            <p:ph idx="1"/>
+            <p:ph type="body" sz="quarter" idx="10"/>
           </p:nvPr>
         </p:nvSpPr>
         <p:spPr/>
@@ -2994,37 +4160,429 @@
           <a:p>
             <a:r>
               <a:rPr lang="en-US" dirty="0"/>
-              <a:t>Provision Hadoop cluster on Azure Portal</a:t>
-            </a:r>
-          </a:p>
-        </p:txBody>
-      </p:sp>
-      <p:sp>
-        <p:nvSpPr>
-          <p:cNvPr id="4" name="Text Placeholder 3"/>
-          <p:cNvSpPr>
-            <a:spLocks noGrp="1"/>
-          </p:cNvSpPr>
-          <p:nvPr>
-            <p:ph type="body" sz="quarter" idx="10"/>
-          </p:nvPr>
-        </p:nvSpPr>
-        <p:spPr/>
-        <p:txBody>
-          <a:bodyPr/>
+              <a:t>Scoring data using Azure Machine Learning</a:t>
+            </a:r>
+          </a:p>
+        </p:txBody>
+      </p:sp>
+      <p:pic>
+        <p:nvPicPr>
+          <p:cNvPr id="14" name="Picture 13"/>
+          <p:cNvPicPr>
+            <a:picLocks noChangeAspect="1"/>
+          </p:cNvPicPr>
+          <p:nvPr/>
+        </p:nvPicPr>
+        <p:blipFill>
+          <a:blip r:embed="rId3">
+            <a:extLst>
+              <a:ext uri="{28A0092B-C50C-407E-A947-70E740481C1C}">
+                <a14:useLocalDpi xmlns:a14="http://schemas.microsoft.com/office/drawing/2010/main" val="0"/>
+              </a:ext>
+            </a:extLst>
+          </a:blip>
+          <a:stretch>
+            <a:fillRect/>
+          </a:stretch>
+        </p:blipFill>
+        <p:spPr>
+          <a:xfrm>
+            <a:off x="5576359" y="1631626"/>
+            <a:ext cx="780290" cy="780290"/>
+          </a:xfrm>
+          <a:prstGeom prst="rect">
+            <a:avLst/>
+          </a:prstGeom>
+          <a:ln>
+            <a:noFill/>
+          </a:ln>
+          <a:effectLst>
+            <a:outerShdw blurRad="292100" dist="139700" dir="2700000" algn="tl" rotWithShape="0">
+              <a:srgbClr val="333333">
+                <a:alpha val="65000"/>
+              </a:srgbClr>
+            </a:outerShdw>
+          </a:effectLst>
+        </p:spPr>
+      </p:pic>
+      <p:sp>
+        <p:nvSpPr>
+          <p:cNvPr id="16" name="Cylinder 15"/>
+          <p:cNvSpPr/>
+          <p:nvPr/>
+        </p:nvSpPr>
+        <p:spPr>
+          <a:xfrm rot="5400000">
+            <a:off x="5576914" y="1541485"/>
+            <a:ext cx="853298" cy="2966279"/>
+          </a:xfrm>
+          <a:prstGeom prst="can">
+            <a:avLst/>
+          </a:prstGeom>
+        </p:spPr>
+        <p:style>
+          <a:lnRef idx="2">
+            <a:schemeClr val="accent1">
+              <a:shade val="50000"/>
+            </a:schemeClr>
+          </a:lnRef>
+          <a:fillRef idx="1">
+            <a:schemeClr val="accent1"/>
+          </a:fillRef>
+          <a:effectRef idx="0">
+            <a:schemeClr val="accent1"/>
+          </a:effectRef>
+          <a:fontRef idx="minor">
+            <a:schemeClr val="lt1"/>
+          </a:fontRef>
+        </p:style>
+        <p:txBody>
+          <a:bodyPr vert="vert270" rtlCol="0" anchor="ctr"/>
           <a:lstStyle/>
           <a:p>
+            <a:pPr algn="ctr"/>
             <a:r>
               <a:rPr lang="en-US" dirty="0"/>
-              <a:t>Microsoft Azure offers managed Hadoop cluster</a:t>
-            </a:r>
-          </a:p>
-        </p:txBody>
-      </p:sp>
+              <a:t>Pipeline</a:t>
+            </a:r>
+          </a:p>
+        </p:txBody>
+      </p:sp>
+      <p:sp>
+        <p:nvSpPr>
+          <p:cNvPr id="23" name="TextBox 22"/>
+          <p:cNvSpPr txBox="1"/>
+          <p:nvPr/>
+        </p:nvSpPr>
+        <p:spPr>
+          <a:xfrm>
+            <a:off x="3557311" y="2132920"/>
+            <a:ext cx="412292" cy="230832"/>
+          </a:xfrm>
+          <a:prstGeom prst="rect">
+            <a:avLst/>
+          </a:prstGeom>
+          <a:noFill/>
+        </p:spPr>
+        <p:txBody>
+          <a:bodyPr wrap="none" rtlCol="0">
+            <a:spAutoFit/>
+          </a:bodyPr>
+          <a:lstStyle/>
+          <a:p>
+            <a:pPr algn="ctr"/>
+            <a:r>
+              <a:rPr lang="en-US" sz="900" dirty="0"/>
+              <a:t>Files</a:t>
+            </a:r>
+          </a:p>
+        </p:txBody>
+      </p:sp>
+      <p:sp>
+        <p:nvSpPr>
+          <p:cNvPr id="26" name="TextBox 25"/>
+          <p:cNvSpPr txBox="1"/>
+          <p:nvPr/>
+        </p:nvSpPr>
+        <p:spPr>
+          <a:xfrm>
+            <a:off x="5544755" y="1348932"/>
+            <a:ext cx="843501" cy="230832"/>
+          </a:xfrm>
+          <a:prstGeom prst="rect">
+            <a:avLst/>
+          </a:prstGeom>
+          <a:noFill/>
+        </p:spPr>
+        <p:txBody>
+          <a:bodyPr wrap="none" rtlCol="0">
+            <a:spAutoFit/>
+          </a:bodyPr>
+          <a:lstStyle/>
+          <a:p>
+            <a:pPr algn="ctr"/>
+            <a:r>
+              <a:rPr lang="en-US" sz="900" dirty="0"/>
+              <a:t>Data Factory</a:t>
+            </a:r>
+          </a:p>
+        </p:txBody>
+      </p:sp>
+      <p:pic>
+        <p:nvPicPr>
+          <p:cNvPr id="27" name="Picture 26"/>
+          <p:cNvPicPr>
+            <a:picLocks noChangeAspect="1"/>
+          </p:cNvPicPr>
+          <p:nvPr/>
+        </p:nvPicPr>
+        <p:blipFill>
+          <a:blip r:embed="rId4">
+            <a:extLst>
+              <a:ext uri="{28A0092B-C50C-407E-A947-70E740481C1C}">
+                <a14:useLocalDpi xmlns:a14="http://schemas.microsoft.com/office/drawing/2010/main" val="0"/>
+              </a:ext>
+            </a:extLst>
+          </a:blip>
+          <a:stretch>
+            <a:fillRect/>
+          </a:stretch>
+        </p:blipFill>
+        <p:spPr>
+          <a:xfrm>
+            <a:off x="3349988" y="2634479"/>
+            <a:ext cx="780290" cy="780290"/>
+          </a:xfrm>
+          <a:prstGeom prst="rect">
+            <a:avLst/>
+          </a:prstGeom>
+        </p:spPr>
+      </p:pic>
+      <p:pic>
+        <p:nvPicPr>
+          <p:cNvPr id="28" name="Picture 27"/>
+          <p:cNvPicPr>
+            <a:picLocks noChangeAspect="1"/>
+          </p:cNvPicPr>
+          <p:nvPr/>
+        </p:nvPicPr>
+        <p:blipFill>
+          <a:blip r:embed="rId5">
+            <a:extLst>
+              <a:ext uri="{28A0092B-C50C-407E-A947-70E740481C1C}">
+                <a14:useLocalDpi xmlns:a14="http://schemas.microsoft.com/office/drawing/2010/main" val="0"/>
+              </a:ext>
+            </a:extLst>
+          </a:blip>
+          <a:stretch>
+            <a:fillRect/>
+          </a:stretch>
+        </p:blipFill>
+        <p:spPr>
+          <a:xfrm>
+            <a:off x="768845" y="4939140"/>
+            <a:ext cx="780290" cy="780290"/>
+          </a:xfrm>
+          <a:prstGeom prst="rect">
+            <a:avLst/>
+          </a:prstGeom>
+        </p:spPr>
+      </p:pic>
+      <p:cxnSp>
+        <p:nvCxnSpPr>
+          <p:cNvPr id="30" name="Connector: Elbow 29"/>
+          <p:cNvCxnSpPr>
+            <a:stCxn id="28" idx="0"/>
+            <a:endCxn id="27" idx="1"/>
+          </p:cNvCxnSpPr>
+          <p:nvPr/>
+        </p:nvCxnSpPr>
+        <p:spPr>
+          <a:xfrm rot="5400000" flipH="1" flipV="1">
+            <a:off x="1297231" y="2886383"/>
+            <a:ext cx="1914516" cy="2190998"/>
+          </a:xfrm>
+          <a:prstGeom prst="bentConnector2">
+            <a:avLst/>
+          </a:prstGeom>
+          <a:ln>
+            <a:tailEnd type="triangle"/>
+          </a:ln>
+        </p:spPr>
+        <p:style>
+          <a:lnRef idx="1">
+            <a:schemeClr val="accent1"/>
+          </a:lnRef>
+          <a:fillRef idx="0">
+            <a:schemeClr val="accent1"/>
+          </a:fillRef>
+          <a:effectRef idx="0">
+            <a:schemeClr val="accent1"/>
+          </a:effectRef>
+          <a:fontRef idx="minor">
+            <a:schemeClr val="tx1"/>
+          </a:fontRef>
+        </p:style>
+      </p:cxnSp>
+      <p:sp>
+        <p:nvSpPr>
+          <p:cNvPr id="31" name="TextBox 30"/>
+          <p:cNvSpPr txBox="1"/>
+          <p:nvPr/>
+        </p:nvSpPr>
+        <p:spPr>
+          <a:xfrm>
+            <a:off x="784529" y="4364397"/>
+            <a:ext cx="748923" cy="507831"/>
+          </a:xfrm>
+          <a:prstGeom prst="rect">
+            <a:avLst/>
+          </a:prstGeom>
+          <a:noFill/>
+        </p:spPr>
+        <p:txBody>
+          <a:bodyPr wrap="none" rtlCol="0">
+            <a:spAutoFit/>
+          </a:bodyPr>
+          <a:lstStyle/>
+          <a:p>
+            <a:pPr algn="ctr"/>
+            <a:r>
+              <a:rPr lang="en-US" sz="900" dirty="0"/>
+              <a:t>Data</a:t>
+            </a:r>
+          </a:p>
+          <a:p>
+            <a:pPr algn="ctr"/>
+            <a:r>
+              <a:rPr lang="en-US" sz="900" dirty="0"/>
+              <a:t>Movement</a:t>
+            </a:r>
+          </a:p>
+          <a:p>
+            <a:pPr algn="ctr"/>
+            <a:r>
+              <a:rPr lang="en-US" sz="900" dirty="0"/>
+              <a:t>Gateway</a:t>
+            </a:r>
+          </a:p>
+        </p:txBody>
+      </p:sp>
+      <p:pic>
+        <p:nvPicPr>
+          <p:cNvPr id="32" name="Picture 31"/>
+          <p:cNvPicPr>
+            <a:picLocks noChangeAspect="1"/>
+          </p:cNvPicPr>
+          <p:nvPr/>
+        </p:nvPicPr>
+        <p:blipFill>
+          <a:blip r:embed="rId4">
+            <a:extLst>
+              <a:ext uri="{28A0092B-C50C-407E-A947-70E740481C1C}">
+                <a14:useLocalDpi xmlns:a14="http://schemas.microsoft.com/office/drawing/2010/main" val="0"/>
+              </a:ext>
+            </a:extLst>
+          </a:blip>
+          <a:stretch>
+            <a:fillRect/>
+          </a:stretch>
+        </p:blipFill>
+        <p:spPr>
+          <a:xfrm>
+            <a:off x="8058924" y="2634479"/>
+            <a:ext cx="780290" cy="780290"/>
+          </a:xfrm>
+          <a:prstGeom prst="rect">
+            <a:avLst/>
+          </a:prstGeom>
+        </p:spPr>
+      </p:pic>
+      <p:sp>
+        <p:nvSpPr>
+          <p:cNvPr id="33" name="TextBox 32"/>
+          <p:cNvSpPr txBox="1"/>
+          <p:nvPr/>
+        </p:nvSpPr>
+        <p:spPr>
+          <a:xfrm>
+            <a:off x="8233984" y="2132920"/>
+            <a:ext cx="412292" cy="230832"/>
+          </a:xfrm>
+          <a:prstGeom prst="rect">
+            <a:avLst/>
+          </a:prstGeom>
+          <a:noFill/>
+        </p:spPr>
+        <p:txBody>
+          <a:bodyPr wrap="none" rtlCol="0">
+            <a:spAutoFit/>
+          </a:bodyPr>
+          <a:lstStyle/>
+          <a:p>
+            <a:pPr algn="ctr"/>
+            <a:r>
+              <a:rPr lang="en-US" sz="900" dirty="0"/>
+              <a:t>Files</a:t>
+            </a:r>
+          </a:p>
+        </p:txBody>
+      </p:sp>
+      <p:cxnSp>
+        <p:nvCxnSpPr>
+          <p:cNvPr id="34" name="Straight Arrow Connector 33"/>
+          <p:cNvCxnSpPr/>
+          <p:nvPr/>
+        </p:nvCxnSpPr>
+        <p:spPr>
+          <a:xfrm>
+            <a:off x="7393397" y="3024624"/>
+            <a:ext cx="665527" cy="0"/>
+          </a:xfrm>
+          <a:prstGeom prst="straightConnector1">
+            <a:avLst/>
+          </a:prstGeom>
+          <a:ln>
+            <a:headEnd type="triangle"/>
+            <a:tailEnd type="triangle"/>
+          </a:ln>
+        </p:spPr>
+        <p:style>
+          <a:lnRef idx="1">
+            <a:schemeClr val="accent1"/>
+          </a:lnRef>
+          <a:fillRef idx="0">
+            <a:schemeClr val="accent1"/>
+          </a:fillRef>
+          <a:effectRef idx="0">
+            <a:schemeClr val="accent1"/>
+          </a:effectRef>
+          <a:fontRef idx="minor">
+            <a:schemeClr val="tx1"/>
+          </a:fontRef>
+        </p:style>
+      </p:cxnSp>
+      <p:cxnSp>
+        <p:nvCxnSpPr>
+          <p:cNvPr id="35" name="Straight Arrow Connector 34"/>
+          <p:cNvCxnSpPr>
+            <a:stCxn id="27" idx="3"/>
+            <a:endCxn id="16" idx="3"/>
+          </p:cNvCxnSpPr>
+          <p:nvPr/>
+        </p:nvCxnSpPr>
+        <p:spPr>
+          <a:xfrm>
+            <a:off x="4130278" y="3024624"/>
+            <a:ext cx="390146" cy="1"/>
+          </a:xfrm>
+          <a:prstGeom prst="straightConnector1">
+            <a:avLst/>
+          </a:prstGeom>
+          <a:ln>
+            <a:headEnd type="triangle"/>
+            <a:tailEnd type="triangle"/>
+          </a:ln>
+        </p:spPr>
+        <p:style>
+          <a:lnRef idx="1">
+            <a:schemeClr val="accent1"/>
+          </a:lnRef>
+          <a:fillRef idx="0">
+            <a:schemeClr val="accent1"/>
+          </a:fillRef>
+          <a:effectRef idx="0">
+            <a:schemeClr val="accent1"/>
+          </a:effectRef>
+          <a:fontRef idx="minor">
+            <a:schemeClr val="tx1"/>
+          </a:fontRef>
+        </p:style>
+      </p:cxnSp>
     </p:spTree>
     <p:extLst>
       <p:ext uri="{BB962C8B-B14F-4D97-AF65-F5344CB8AC3E}">
-        <p14:creationId xmlns:p14="http://schemas.microsoft.com/office/powerpoint/2010/main" val="3675288060"/>
+        <p14:creationId xmlns:p14="http://schemas.microsoft.com/office/powerpoint/2010/main" val="1463771179"/>
       </p:ext>
     </p:extLst>
   </p:cSld>
@@ -3053,7 +4611,7 @@
       </p:grpSpPr>
       <p:sp>
         <p:nvSpPr>
-          <p:cNvPr id="2" name="Title 1"/>
+          <p:cNvPr id="5" name="Title 4"/>
           <p:cNvSpPr>
             <a:spLocks noGrp="1"/>
           </p:cNvSpPr>
@@ -3061,17 +4619,24 @@
             <p:ph type="title"/>
           </p:nvPr>
         </p:nvSpPr>
-        <p:spPr/>
-        <p:txBody>
-          <a:bodyPr/>
+        <p:spPr>
+          <a:xfrm>
+            <a:off x="831851" y="2328063"/>
+            <a:ext cx="10515600" cy="1615672"/>
+          </a:xfrm>
+        </p:spPr>
+        <p:txBody>
+          <a:bodyPr>
+            <a:normAutofit/>
+          </a:bodyPr>
           <a:lstStyle/>
           <a:p>
             <a:r>
-              <a:rPr lang="pt-BR" dirty="0"/>
+              <a:rPr lang="pt-BR" sz="3200" dirty="0"/>
               <a:t>Ex </a:t>
             </a:r>
             <a:r>
-              <a:rPr lang="en-US" dirty="0"/>
+              <a:rPr lang="en-US" sz="3200" dirty="0"/>
               <a:t>5: Summarize Data Using HDInsight Spark</a:t>
             </a:r>
           </a:p>
@@ -3079,100 +4644,30 @@
       </p:sp>
       <p:sp>
         <p:nvSpPr>
-          <p:cNvPr id="3" name="Content Placeholder 2"/>
+          <p:cNvPr id="6" name="Text Placeholder 5"/>
           <p:cNvSpPr>
             <a:spLocks noGrp="1"/>
           </p:cNvSpPr>
           <p:nvPr>
-            <p:ph idx="1"/>
-          </p:nvPr>
-        </p:nvSpPr>
-        <p:spPr>
-          <a:xfrm>
-            <a:off x="312420" y="1212981"/>
-            <a:ext cx="11567160" cy="5197150"/>
-          </a:xfrm>
-        </p:spPr>
+            <p:ph type="body" idx="1"/>
+          </p:nvPr>
+        </p:nvSpPr>
+        <p:spPr/>
         <p:txBody>
           <a:bodyPr/>
           <a:lstStyle/>
           <a:p>
-            <a:endParaRPr lang="en-US"/>
-          </a:p>
-        </p:txBody>
-      </p:sp>
-      <p:sp>
-        <p:nvSpPr>
-          <p:cNvPr id="4" name="Text Placeholder 3"/>
-          <p:cNvSpPr>
-            <a:spLocks noGrp="1"/>
-          </p:cNvSpPr>
-          <p:nvPr>
-            <p:ph type="body" sz="quarter" idx="10"/>
-          </p:nvPr>
-        </p:nvSpPr>
-        <p:spPr/>
-        <p:txBody>
-          <a:bodyPr/>
-          <a:lstStyle/>
-          <a:p>
             <a:r>
               <a:rPr lang="en-US" dirty="0"/>
-              <a:t>ID and Password</a:t>
-            </a:r>
-          </a:p>
-        </p:txBody>
-      </p:sp>
-      <p:sp>
-        <p:nvSpPr>
-          <p:cNvPr id="5" name="Rectangle 4"/>
-          <p:cNvSpPr/>
-          <p:nvPr/>
-        </p:nvSpPr>
-        <p:spPr>
-          <a:xfrm>
-            <a:off x="3048000" y="3272947"/>
-            <a:ext cx="6096000" cy="1077218"/>
-          </a:xfrm>
-          <a:prstGeom prst="rect">
-            <a:avLst/>
-          </a:prstGeom>
-        </p:spPr>
-        <p:txBody>
-          <a:bodyPr>
-            <a:spAutoFit/>
-          </a:bodyPr>
-          <a:lstStyle/>
-          <a:p>
-            <a:pPr lvl="1"/>
-            <a:r>
-              <a:rPr lang="en-US" sz="3200" dirty="0"/>
-              <a:t>User name: </a:t>
-            </a:r>
-            <a:r>
-              <a:rPr lang="en-US" sz="3200" b="1" dirty="0" err="1"/>
-              <a:t>cortana</a:t>
-            </a:r>
-            <a:endParaRPr lang="en-US" sz="3200" dirty="0"/>
-          </a:p>
-          <a:p>
-            <a:pPr lvl="1"/>
-            <a:r>
-              <a:rPr lang="en-US" sz="3200" dirty="0"/>
-              <a:t>Password: </a:t>
-            </a:r>
-            <a:r>
-              <a:rPr lang="en-US" sz="3200" b="1" dirty="0"/>
-              <a:t>Password.1!!</a:t>
-            </a:r>
-            <a:endParaRPr lang="en-US" sz="3200" dirty="0"/>
+              <a:t>What you will see next.</a:t>
+            </a:r>
           </a:p>
         </p:txBody>
       </p:sp>
     </p:spTree>
     <p:extLst>
       <p:ext uri="{BB962C8B-B14F-4D97-AF65-F5344CB8AC3E}">
-        <p14:creationId xmlns:p14="http://schemas.microsoft.com/office/powerpoint/2010/main" val="771547813"/>
+        <p14:creationId xmlns:p14="http://schemas.microsoft.com/office/powerpoint/2010/main" val="973658505"/>
       </p:ext>
     </p:extLst>
   </p:cSld>
@@ -3393,7 +4888,7 @@
       </p:grpSpPr>
       <p:sp>
         <p:nvSpPr>
-          <p:cNvPr id="5" name="Title 4"/>
+          <p:cNvPr id="2" name="Title 1"/>
           <p:cNvSpPr>
             <a:spLocks noGrp="1"/>
           </p:cNvSpPr>
@@ -3403,48 +4898,70 @@
         </p:nvSpPr>
         <p:spPr/>
         <p:txBody>
+          <a:bodyPr/>
+          <a:lstStyle/>
+          <a:p>
+            <a:r>
+              <a:rPr lang="pt-BR" dirty="0"/>
+              <a:t>Ex </a:t>
+            </a:r>
+            <a:r>
+              <a:rPr lang="en-US" dirty="0"/>
+              <a:t>5: Summarize Data Using HDInsight Spark</a:t>
+            </a:r>
+          </a:p>
+        </p:txBody>
+      </p:sp>
+      <p:sp>
+        <p:nvSpPr>
+          <p:cNvPr id="5" name="Rectangle 4"/>
+          <p:cNvSpPr/>
+          <p:nvPr/>
+        </p:nvSpPr>
+        <p:spPr>
+          <a:xfrm>
+            <a:off x="3048000" y="3272947"/>
+            <a:ext cx="6096000" cy="1077218"/>
+          </a:xfrm>
+          <a:prstGeom prst="rect">
+            <a:avLst/>
+          </a:prstGeom>
+        </p:spPr>
+        <p:txBody>
           <a:bodyPr>
-            <a:normAutofit/>
+            <a:spAutoFit/>
           </a:bodyPr>
           <a:lstStyle/>
           <a:p>
-            <a:r>
-              <a:rPr lang="pt-BR" sz="3300" dirty="0"/>
-              <a:t>Ex </a:t>
-            </a:r>
-            <a:r>
-              <a:rPr lang="en-US" sz="3300" dirty="0"/>
-              <a:t>6: Visualizing in Power BI Desktop</a:t>
-            </a:r>
-          </a:p>
-        </p:txBody>
-      </p:sp>
-      <p:sp>
-        <p:nvSpPr>
-          <p:cNvPr id="6" name="Text Placeholder 5"/>
-          <p:cNvSpPr>
-            <a:spLocks noGrp="1"/>
-          </p:cNvSpPr>
-          <p:nvPr>
-            <p:ph type="body" idx="1"/>
-          </p:nvPr>
-        </p:nvSpPr>
-        <p:spPr/>
-        <p:txBody>
-          <a:bodyPr/>
-          <a:lstStyle/>
-          <a:p>
-            <a:r>
-              <a:rPr lang="en-US" dirty="0"/>
-              <a:t>What you will see next.</a:t>
-            </a:r>
+            <a:pPr lvl="1"/>
+            <a:r>
+              <a:rPr lang="en-US" sz="3200" dirty="0"/>
+              <a:t>User name: </a:t>
+            </a:r>
+            <a:r>
+              <a:rPr lang="en-US" sz="3200" b="1" dirty="0" err="1"/>
+              <a:t>cortana</a:t>
+            </a:r>
+            <a:endParaRPr lang="en-US" sz="3200" dirty="0"/>
+          </a:p>
+          <a:p>
+            <a:pPr lvl="1"/>
+            <a:r>
+              <a:rPr lang="en-US" sz="3200" dirty="0"/>
+              <a:t>Password: </a:t>
+            </a:r>
+            <a:r>
+              <a:rPr lang="en-US" sz="3200" b="1" dirty="0"/>
+              <a:t>Password.1!!</a:t>
+            </a:r>
+            <a:endParaRPr lang="en-US" sz="3200" dirty="0"/>
           </a:p>
         </p:txBody>
       </p:sp>
     </p:spTree>
     <p:extLst>
       <p:ext uri="{BB962C8B-B14F-4D97-AF65-F5344CB8AC3E}">
-        <p14:creationId xmlns:p14="http://schemas.microsoft.com/office/powerpoint/2010/main" val="1430607605"/>
+        <p14:creationId xmlns:p14="http://schemas.microsoft.com/office/powerpoint/2010/main" val="771547813"/>
       </p:ext>
     </p:extLst>
   </p:cSld>
@@ -3493,10 +5010,9 @@
               <a:t>Ex </a:t>
             </a:r>
             <a:r>
-              <a:rPr lang="de-DE" sz="3300" dirty="0"/>
-              <a:t>7: Deploy Intelligent Web App</a:t>
-            </a:r>
-            <a:endParaRPr lang="en-US" sz="3300" dirty="0"/>
+              <a:rPr lang="en-US" sz="3300" dirty="0"/>
+              <a:t>6: Visualizing in Power BI Desktop</a:t>
+            </a:r>
           </a:p>
         </p:txBody>
       </p:sp>
@@ -3525,7 +5041,501 @@
     </p:spTree>
     <p:extLst>
       <p:ext uri="{BB962C8B-B14F-4D97-AF65-F5344CB8AC3E}">
+        <p14:creationId xmlns:p14="http://schemas.microsoft.com/office/powerpoint/2010/main" val="1430607605"/>
+      </p:ext>
+    </p:extLst>
+  </p:cSld>
+  <p:clrMapOvr>
+    <a:masterClrMapping/>
+  </p:clrMapOvr>
+</p:sld>
+</file>
+
+<file path=ppt/slides/slide22.xml><?xml version="1.0" encoding="utf-8"?>
+<p:sld xmlns:a="http://schemas.openxmlformats.org/drawingml/2006/main" xmlns:r="http://schemas.openxmlformats.org/officeDocument/2006/relationships" xmlns:p="http://schemas.openxmlformats.org/presentationml/2006/main">
+  <p:cSld>
+    <p:spTree>
+      <p:nvGrpSpPr>
+        <p:cNvPr id="1" name=""/>
+        <p:cNvGrpSpPr/>
+        <p:nvPr/>
+      </p:nvGrpSpPr>
+      <p:grpSpPr>
+        <a:xfrm>
+          <a:off x="0" y="0"/>
+          <a:ext cx="0" cy="0"/>
+          <a:chOff x="0" y="0"/>
+          <a:chExt cx="0" cy="0"/>
+        </a:xfrm>
+      </p:grpSpPr>
+      <p:sp>
+        <p:nvSpPr>
+          <p:cNvPr id="5" name="Title 4"/>
+          <p:cNvSpPr>
+            <a:spLocks noGrp="1"/>
+          </p:cNvSpPr>
+          <p:nvPr>
+            <p:ph type="title"/>
+          </p:nvPr>
+        </p:nvSpPr>
+        <p:spPr/>
+        <p:txBody>
+          <a:bodyPr>
+            <a:normAutofit/>
+          </a:bodyPr>
+          <a:lstStyle/>
+          <a:p>
+            <a:r>
+              <a:rPr lang="en-US" sz="3600" dirty="0"/>
+              <a:t>7.1 Acquire Weather Underground API Key</a:t>
+            </a:r>
+            <a:endParaRPr lang="en-US" sz="3300" dirty="0"/>
+          </a:p>
+        </p:txBody>
+      </p:sp>
+      <p:sp>
+        <p:nvSpPr>
+          <p:cNvPr id="6" name="Text Placeholder 5"/>
+          <p:cNvSpPr>
+            <a:spLocks noGrp="1"/>
+          </p:cNvSpPr>
+          <p:nvPr>
+            <p:ph type="body" idx="1"/>
+          </p:nvPr>
+        </p:nvSpPr>
+        <p:spPr/>
+        <p:txBody>
+          <a:bodyPr/>
+          <a:lstStyle/>
+          <a:p>
+            <a:r>
+              <a:rPr lang="en-US" dirty="0"/>
+              <a:t>What you will see next.</a:t>
+            </a:r>
+          </a:p>
+        </p:txBody>
+      </p:sp>
+    </p:spTree>
+    <p:extLst>
+      <p:ext uri="{BB962C8B-B14F-4D97-AF65-F5344CB8AC3E}">
+        <p14:creationId xmlns:p14="http://schemas.microsoft.com/office/powerpoint/2010/main" val="3194850257"/>
+      </p:ext>
+    </p:extLst>
+  </p:cSld>
+  <p:clrMapOvr>
+    <a:masterClrMapping/>
+  </p:clrMapOvr>
+</p:sld>
+</file>
+
+<file path=ppt/slides/slide23.xml><?xml version="1.0" encoding="utf-8"?>
+<p:sld xmlns:a="http://schemas.openxmlformats.org/drawingml/2006/main" xmlns:r="http://schemas.openxmlformats.org/officeDocument/2006/relationships" xmlns:p="http://schemas.openxmlformats.org/presentationml/2006/main">
+  <p:cSld>
+    <p:spTree>
+      <p:nvGrpSpPr>
+        <p:cNvPr id="1" name=""/>
+        <p:cNvGrpSpPr/>
+        <p:nvPr/>
+      </p:nvGrpSpPr>
+      <p:grpSpPr>
+        <a:xfrm>
+          <a:off x="0" y="0"/>
+          <a:ext cx="0" cy="0"/>
+          <a:chOff x="0" y="0"/>
+          <a:chExt cx="0" cy="0"/>
+        </a:xfrm>
+      </p:grpSpPr>
+      <p:sp>
+        <p:nvSpPr>
+          <p:cNvPr id="2" name="Title 1"/>
+          <p:cNvSpPr>
+            <a:spLocks noGrp="1"/>
+          </p:cNvSpPr>
+          <p:nvPr>
+            <p:ph type="title"/>
+          </p:nvPr>
+        </p:nvSpPr>
+        <p:spPr/>
+        <p:txBody>
+          <a:bodyPr/>
+          <a:lstStyle/>
+          <a:p>
+            <a:r>
+              <a:rPr lang="en-US" dirty="0"/>
+              <a:t>7.1 Acquire Weather Underground API Key</a:t>
+            </a:r>
+          </a:p>
+        </p:txBody>
+      </p:sp>
+      <p:pic>
+        <p:nvPicPr>
+          <p:cNvPr id="5" name="Content Placeholder 4"/>
+          <p:cNvPicPr>
+            <a:picLocks noGrp="1" noChangeAspect="1"/>
+          </p:cNvPicPr>
+          <p:nvPr>
+            <p:ph idx="1"/>
+          </p:nvPr>
+        </p:nvPicPr>
+        <p:blipFill>
+          <a:blip r:embed="rId2"/>
+          <a:stretch>
+            <a:fillRect/>
+          </a:stretch>
+        </p:blipFill>
+        <p:spPr>
+          <a:xfrm>
+            <a:off x="467077" y="1449099"/>
+            <a:ext cx="3093218" cy="4724977"/>
+          </a:xfrm>
+          <a:prstGeom prst="rect">
+            <a:avLst/>
+          </a:prstGeom>
+          <a:ln>
+            <a:noFill/>
+          </a:ln>
+          <a:effectLst>
+            <a:outerShdw blurRad="292100" dist="139700" dir="2700000" algn="tl" rotWithShape="0">
+              <a:srgbClr val="333333">
+                <a:alpha val="65000"/>
+              </a:srgbClr>
+            </a:outerShdw>
+          </a:effectLst>
+        </p:spPr>
+      </p:pic>
+      <p:sp>
+        <p:nvSpPr>
+          <p:cNvPr id="4" name="Text Placeholder 3"/>
+          <p:cNvSpPr>
+            <a:spLocks noGrp="1"/>
+          </p:cNvSpPr>
+          <p:nvPr>
+            <p:ph type="body" sz="quarter" idx="10"/>
+          </p:nvPr>
+        </p:nvSpPr>
+        <p:spPr/>
+        <p:txBody>
+          <a:bodyPr/>
+          <a:lstStyle/>
+          <a:p>
+            <a:r>
+              <a:rPr lang="en-US" dirty="0">
+                <a:hlinkClick r:id="rId3"/>
+              </a:rPr>
+              <a:t>http://api.wunderground.com/api/3a7a579f41f30b09 /forecast10day/q/WA/</a:t>
+            </a:r>
+            <a:r>
+              <a:rPr lang="en-US" dirty="0" err="1">
+                <a:hlinkClick r:id="rId3"/>
+              </a:rPr>
+              <a:t>SEA.json</a:t>
+            </a:r>
+            <a:endParaRPr lang="en-US" dirty="0"/>
+          </a:p>
+        </p:txBody>
+      </p:sp>
+      <p:grpSp>
+        <p:nvGrpSpPr>
+          <p:cNvPr id="9" name="Group 8"/>
+          <p:cNvGrpSpPr/>
+          <p:nvPr/>
+        </p:nvGrpSpPr>
+        <p:grpSpPr>
+          <a:xfrm>
+            <a:off x="4475776" y="1513923"/>
+            <a:ext cx="6615603" cy="4663240"/>
+            <a:chOff x="4475776" y="1513923"/>
+            <a:chExt cx="6615603" cy="4663240"/>
+          </a:xfrm>
+        </p:grpSpPr>
+        <p:pic>
+          <p:nvPicPr>
+            <p:cNvPr id="6" name="Picture 5"/>
+            <p:cNvPicPr>
+              <a:picLocks noChangeAspect="1"/>
+            </p:cNvPicPr>
+            <p:nvPr/>
+          </p:nvPicPr>
+          <p:blipFill>
+            <a:blip r:embed="rId4"/>
+            <a:stretch>
+              <a:fillRect/>
+            </a:stretch>
+          </p:blipFill>
+          <p:spPr>
+            <a:xfrm>
+              <a:off x="4475776" y="1513923"/>
+              <a:ext cx="6615603" cy="4663240"/>
+            </a:xfrm>
+            <a:prstGeom prst="rect">
+              <a:avLst/>
+            </a:prstGeom>
+            <a:ln>
+              <a:noFill/>
+            </a:ln>
+            <a:effectLst>
+              <a:outerShdw blurRad="292100" dist="139700" dir="2700000" algn="tl" rotWithShape="0">
+                <a:srgbClr val="333333">
+                  <a:alpha val="65000"/>
+                </a:srgbClr>
+              </a:outerShdw>
+            </a:effectLst>
+          </p:spPr>
+        </p:pic>
+        <p:sp>
+          <p:nvSpPr>
+            <p:cNvPr id="3" name="Rectangle 2"/>
+            <p:cNvSpPr/>
+            <p:nvPr/>
+          </p:nvSpPr>
+          <p:spPr>
+            <a:xfrm>
+              <a:off x="5236369" y="3570510"/>
+              <a:ext cx="690562" cy="126555"/>
+            </a:xfrm>
+            <a:prstGeom prst="rect">
+              <a:avLst/>
+            </a:prstGeom>
+            <a:solidFill>
+              <a:srgbClr val="FFFFFF"/>
+            </a:solidFill>
+            <a:ln>
+              <a:noFill/>
+            </a:ln>
+          </p:spPr>
+          <p:style>
+            <a:lnRef idx="2">
+              <a:schemeClr val="accent1">
+                <a:shade val="50000"/>
+              </a:schemeClr>
+            </a:lnRef>
+            <a:fillRef idx="1">
+              <a:schemeClr val="accent1"/>
+            </a:fillRef>
+            <a:effectRef idx="0">
+              <a:schemeClr val="accent1"/>
+            </a:effectRef>
+            <a:fontRef idx="minor">
+              <a:schemeClr val="lt1"/>
+            </a:fontRef>
+          </p:style>
+          <p:txBody>
+            <a:bodyPr rtlCol="0" anchor="ctr"/>
+            <a:lstStyle/>
+            <a:p>
+              <a:pPr algn="ctr"/>
+              <a:endParaRPr lang="en-US"/>
+            </a:p>
+          </p:txBody>
+        </p:sp>
+        <p:sp>
+          <p:nvSpPr>
+            <p:cNvPr id="7" name="Rectangle 6"/>
+            <p:cNvSpPr/>
+            <p:nvPr/>
+          </p:nvSpPr>
+          <p:spPr>
+            <a:xfrm>
+              <a:off x="5214938" y="4000210"/>
+              <a:ext cx="1002506" cy="122024"/>
+            </a:xfrm>
+            <a:prstGeom prst="rect">
+              <a:avLst/>
+            </a:prstGeom>
+            <a:solidFill>
+              <a:srgbClr val="FFFFFF"/>
+            </a:solidFill>
+            <a:ln>
+              <a:noFill/>
+            </a:ln>
+          </p:spPr>
+          <p:style>
+            <a:lnRef idx="2">
+              <a:schemeClr val="accent1">
+                <a:shade val="50000"/>
+              </a:schemeClr>
+            </a:lnRef>
+            <a:fillRef idx="1">
+              <a:schemeClr val="accent1"/>
+            </a:fillRef>
+            <a:effectRef idx="0">
+              <a:schemeClr val="accent1"/>
+            </a:effectRef>
+            <a:fontRef idx="minor">
+              <a:schemeClr val="lt1"/>
+            </a:fontRef>
+          </p:style>
+          <p:txBody>
+            <a:bodyPr rtlCol="0" anchor="ctr"/>
+            <a:lstStyle/>
+            <a:p>
+              <a:pPr algn="ctr"/>
+              <a:endParaRPr lang="en-US"/>
+            </a:p>
+          </p:txBody>
+        </p:sp>
+        <p:sp>
+          <p:nvSpPr>
+            <p:cNvPr id="8" name="Rectangle 7"/>
+            <p:cNvSpPr/>
+            <p:nvPr/>
+          </p:nvSpPr>
+          <p:spPr>
+            <a:xfrm>
+              <a:off x="6795294" y="2375694"/>
+              <a:ext cx="1205706" cy="110331"/>
+            </a:xfrm>
+            <a:prstGeom prst="rect">
+              <a:avLst/>
+            </a:prstGeom>
+            <a:solidFill>
+              <a:srgbClr val="FFFFFF"/>
+            </a:solidFill>
+            <a:ln>
+              <a:noFill/>
+            </a:ln>
+          </p:spPr>
+          <p:style>
+            <a:lnRef idx="2">
+              <a:schemeClr val="accent1">
+                <a:shade val="50000"/>
+              </a:schemeClr>
+            </a:lnRef>
+            <a:fillRef idx="1">
+              <a:schemeClr val="accent1"/>
+            </a:fillRef>
+            <a:effectRef idx="0">
+              <a:schemeClr val="accent1"/>
+            </a:effectRef>
+            <a:fontRef idx="minor">
+              <a:schemeClr val="lt1"/>
+            </a:fontRef>
+          </p:style>
+          <p:txBody>
+            <a:bodyPr rtlCol="0" anchor="ctr"/>
+            <a:lstStyle/>
+            <a:p>
+              <a:pPr algn="ctr"/>
+              <a:endParaRPr lang="en-US"/>
+            </a:p>
+          </p:txBody>
+        </p:sp>
+      </p:grpSp>
+    </p:spTree>
+    <p:extLst>
+      <p:ext uri="{BB962C8B-B14F-4D97-AF65-F5344CB8AC3E}">
+        <p14:creationId xmlns:p14="http://schemas.microsoft.com/office/powerpoint/2010/main" val="4174947788"/>
+      </p:ext>
+    </p:extLst>
+  </p:cSld>
+  <p:clrMapOvr>
+    <a:masterClrMapping/>
+  </p:clrMapOvr>
+</p:sld>
+</file>
+
+<file path=ppt/slides/slide24.xml><?xml version="1.0" encoding="utf-8"?>
+<p:sld xmlns:a="http://schemas.openxmlformats.org/drawingml/2006/main" xmlns:r="http://schemas.openxmlformats.org/officeDocument/2006/relationships" xmlns:p="http://schemas.openxmlformats.org/presentationml/2006/main">
+  <p:cSld>
+    <p:spTree>
+      <p:nvGrpSpPr>
+        <p:cNvPr id="1" name=""/>
+        <p:cNvGrpSpPr/>
+        <p:nvPr/>
+      </p:nvGrpSpPr>
+      <p:grpSpPr>
+        <a:xfrm>
+          <a:off x="0" y="0"/>
+          <a:ext cx="0" cy="0"/>
+          <a:chOff x="0" y="0"/>
+          <a:chExt cx="0" cy="0"/>
+        </a:xfrm>
+      </p:grpSpPr>
+      <p:sp>
+        <p:nvSpPr>
+          <p:cNvPr id="5" name="Title 4"/>
+          <p:cNvSpPr>
+            <a:spLocks noGrp="1"/>
+          </p:cNvSpPr>
+          <p:nvPr>
+            <p:ph type="title"/>
+          </p:nvPr>
+        </p:nvSpPr>
+        <p:spPr/>
+        <p:txBody>
+          <a:bodyPr>
+            <a:normAutofit/>
+          </a:bodyPr>
+          <a:lstStyle/>
+          <a:p>
+            <a:r>
+              <a:rPr lang="pt-BR" sz="3300" dirty="0"/>
+              <a:t>Ex </a:t>
+            </a:r>
+            <a:r>
+              <a:rPr lang="de-DE" sz="3300" dirty="0"/>
+              <a:t>7.2: Deploy Intelligent Web App</a:t>
+            </a:r>
+            <a:endParaRPr lang="en-US" sz="3300" dirty="0"/>
+          </a:p>
+        </p:txBody>
+      </p:sp>
+      <p:sp>
+        <p:nvSpPr>
+          <p:cNvPr id="6" name="Text Placeholder 5"/>
+          <p:cNvSpPr>
+            <a:spLocks noGrp="1"/>
+          </p:cNvSpPr>
+          <p:nvPr>
+            <p:ph type="body" idx="1"/>
+          </p:nvPr>
+        </p:nvSpPr>
+        <p:spPr/>
+        <p:txBody>
+          <a:bodyPr/>
+          <a:lstStyle/>
+          <a:p>
+            <a:r>
+              <a:rPr lang="en-US" dirty="0"/>
+              <a:t>What you will see next.</a:t>
+            </a:r>
+          </a:p>
+        </p:txBody>
+      </p:sp>
+    </p:spTree>
+    <p:extLst>
+      <p:ext uri="{BB962C8B-B14F-4D97-AF65-F5344CB8AC3E}">
         <p14:creationId xmlns:p14="http://schemas.microsoft.com/office/powerpoint/2010/main" val="683028375"/>
+      </p:ext>
+    </p:extLst>
+  </p:cSld>
+  <p:clrMapOvr>
+    <a:masterClrMapping/>
+  </p:clrMapOvr>
+</p:sld>
+</file>
+
+<file path=ppt/slides/slide25.xml><?xml version="1.0" encoding="utf-8"?>
+<p:sld xmlns:a="http://schemas.openxmlformats.org/drawingml/2006/main" xmlns:r="http://schemas.openxmlformats.org/officeDocument/2006/relationships" xmlns:p="http://schemas.openxmlformats.org/presentationml/2006/main">
+  <p:cSld>
+    <p:spTree>
+      <p:nvGrpSpPr>
+        <p:cNvPr id="1" name=""/>
+        <p:cNvGrpSpPr/>
+        <p:nvPr/>
+      </p:nvGrpSpPr>
+      <p:grpSpPr>
+        <a:xfrm>
+          <a:off x="0" y="0"/>
+          <a:ext cx="0" cy="0"/>
+          <a:chOff x="0" y="0"/>
+          <a:chExt cx="0" cy="0"/>
+        </a:xfrm>
+      </p:grpSpPr>
+    </p:spTree>
+    <p:extLst>
+      <p:ext uri="{BB962C8B-B14F-4D97-AF65-F5344CB8AC3E}">
+        <p14:creationId xmlns:p14="http://schemas.microsoft.com/office/powerpoint/2010/main" val="301211449"/>
       </p:ext>
     </p:extLst>
   </p:cSld>
@@ -3586,88 +5596,44 @@
         </p:nvSpPr>
         <p:spPr/>
         <p:txBody>
+          <a:bodyPr>
+            <a:normAutofit/>
+          </a:bodyPr>
+          <a:lstStyle/>
+          <a:p>
+            <a:r>
+              <a:rPr lang="en-US" sz="1600" dirty="0"/>
+              <a:t>The goal is to show an end-to-end solution and not necessarily try to work in every component possible. The workshop architecture is below and includes:</a:t>
+            </a:r>
+          </a:p>
+          <a:p>
+            <a:pPr lvl="1"/>
+            <a:endParaRPr lang="en-US" sz="1400" dirty="0"/>
+          </a:p>
+        </p:txBody>
+      </p:sp>
+      <p:sp>
+        <p:nvSpPr>
+          <p:cNvPr id="4" name="Text Placeholder 3"/>
+          <p:cNvSpPr>
+            <a:spLocks noGrp="1"/>
+          </p:cNvSpPr>
+          <p:nvPr>
+            <p:ph type="body" sz="quarter" idx="10"/>
+          </p:nvPr>
+        </p:nvSpPr>
+        <p:spPr/>
+        <p:txBody>
           <a:bodyPr/>
           <a:lstStyle/>
           <a:p>
-            <a:r>
-              <a:rPr lang="en-US" dirty="0"/>
-              <a:t>The workshop uses several, but not nearly all, of the components that are part of </a:t>
-            </a:r>
             <a:r>
               <a:rPr lang="en-US" dirty="0">
                 <a:hlinkClick r:id="rId2"/>
               </a:rPr>
               <a:t>Cortana Intelligence Suite</a:t>
             </a:r>
-            <a:r>
-              <a:rPr lang="en-US" dirty="0"/>
-              <a:t>. The goal is to show an end-to-end solution and not necessarily try to work in every component possible. The workshop architecture is below and includes:</a:t>
-            </a:r>
-          </a:p>
-          <a:p>
-            <a:pPr lvl="1"/>
-            <a:r>
-              <a:rPr lang="en-US" dirty="0"/>
-              <a:t>Azure ML</a:t>
-            </a:r>
-          </a:p>
-          <a:p>
-            <a:pPr lvl="1"/>
-            <a:r>
-              <a:rPr lang="en-US" dirty="0"/>
-              <a:t>Azure Data Factory</a:t>
-            </a:r>
-          </a:p>
-          <a:p>
-            <a:pPr lvl="1"/>
-            <a:r>
-              <a:rPr lang="en-US" dirty="0"/>
-              <a:t>Azure Storage</a:t>
-            </a:r>
-          </a:p>
-          <a:p>
-            <a:pPr lvl="1"/>
-            <a:r>
-              <a:rPr lang="en-US" dirty="0"/>
-              <a:t>HDInsight Spark</a:t>
-            </a:r>
-          </a:p>
-          <a:p>
-            <a:pPr lvl="1"/>
-            <a:r>
-              <a:rPr lang="en-US" dirty="0"/>
-              <a:t>Power BI</a:t>
-            </a:r>
-          </a:p>
-          <a:p>
-            <a:pPr lvl="1"/>
-            <a:r>
-              <a:rPr lang="en-US" dirty="0"/>
-              <a:t>Azure App Service</a:t>
-            </a:r>
-          </a:p>
-          <a:p>
-            <a:pPr lvl="1"/>
             <a:endParaRPr lang="en-US" dirty="0"/>
-          </a:p>
-        </p:txBody>
-      </p:sp>
-      <p:sp>
-        <p:nvSpPr>
-          <p:cNvPr id="4" name="Text Placeholder 3"/>
-          <p:cNvSpPr>
-            <a:spLocks noGrp="1"/>
-          </p:cNvSpPr>
-          <p:nvPr>
-            <p:ph type="body" sz="quarter" idx="10"/>
-          </p:nvPr>
-        </p:nvSpPr>
-        <p:spPr/>
-        <p:txBody>
-          <a:bodyPr/>
-          <a:lstStyle/>
-          <a:p>
-            <a:endParaRPr lang="en-US"/>
           </a:p>
         </p:txBody>
       </p:sp>
@@ -3679,7 +5645,7 @@
           </p:cNvPicPr>
           <p:nvPr/>
         </p:nvPicPr>
-        <p:blipFill>
+        <p:blipFill rotWithShape="1">
           <a:blip r:embed="rId3">
             <a:extLst>
               <a:ext uri="{28A0092B-C50C-407E-A947-70E740481C1C}">
@@ -3687,20 +5653,123 @@
               </a:ext>
             </a:extLst>
           </a:blip>
-          <a:stretch>
-            <a:fillRect/>
-          </a:stretch>
+          <a:srcRect l="11375"/>
+          <a:stretch/>
         </p:blipFill>
         <p:spPr>
           <a:xfrm>
-            <a:off x="1555309" y="3150425"/>
-            <a:ext cx="9081377" cy="3259706"/>
+            <a:off x="1226767" y="2808156"/>
+            <a:ext cx="9738466" cy="3944245"/>
           </a:xfrm>
           <a:prstGeom prst="rect">
             <a:avLst/>
           </a:prstGeom>
         </p:spPr>
       </p:pic>
+      <p:sp>
+        <p:nvSpPr>
+          <p:cNvPr id="5" name="Rectangle 4"/>
+          <p:cNvSpPr/>
+          <p:nvPr/>
+        </p:nvSpPr>
+        <p:spPr>
+          <a:xfrm>
+            <a:off x="5783578" y="1731778"/>
+            <a:ext cx="6096000" cy="861774"/>
+          </a:xfrm>
+          <a:prstGeom prst="rect">
+            <a:avLst/>
+          </a:prstGeom>
+        </p:spPr>
+        <p:txBody>
+          <a:bodyPr>
+            <a:spAutoFit/>
+          </a:bodyPr>
+          <a:lstStyle/>
+          <a:p>
+            <a:pPr marL="742950" lvl="1" indent="-285750">
+              <a:buFont typeface="Arial" panose="020B0604020202020204" pitchFamily="34" charset="0"/>
+              <a:buChar char="•"/>
+            </a:pPr>
+            <a:r>
+              <a:rPr lang="en-US" sz="1600" dirty="0"/>
+              <a:t>HDInsight Spark</a:t>
+            </a:r>
+          </a:p>
+          <a:p>
+            <a:pPr marL="742950" lvl="1" indent="-285750">
+              <a:buFont typeface="Arial" panose="020B0604020202020204" pitchFamily="34" charset="0"/>
+              <a:buChar char="•"/>
+            </a:pPr>
+            <a:r>
+              <a:rPr lang="en-US" sz="1600" dirty="0"/>
+              <a:t>Power BI</a:t>
+            </a:r>
+          </a:p>
+          <a:p>
+            <a:pPr marL="742950" lvl="1" indent="-285750">
+              <a:buFont typeface="Arial" panose="020B0604020202020204" pitchFamily="34" charset="0"/>
+              <a:buChar char="•"/>
+            </a:pPr>
+            <a:r>
+              <a:rPr lang="en-US" sz="1600" dirty="0"/>
+              <a:t>Azure App Service</a:t>
+            </a:r>
+          </a:p>
+        </p:txBody>
+      </p:sp>
+      <p:sp>
+        <p:nvSpPr>
+          <p:cNvPr id="7" name="Rectangle 6"/>
+          <p:cNvSpPr/>
+          <p:nvPr/>
+        </p:nvSpPr>
+        <p:spPr>
+          <a:xfrm>
+            <a:off x="312418" y="1731778"/>
+            <a:ext cx="6096000" cy="861774"/>
+          </a:xfrm>
+          <a:prstGeom prst="rect">
+            <a:avLst/>
+          </a:prstGeom>
+        </p:spPr>
+        <p:txBody>
+          <a:bodyPr>
+            <a:spAutoFit/>
+          </a:bodyPr>
+          <a:lstStyle/>
+          <a:p>
+            <a:pPr marL="742950" lvl="1" indent="-285750">
+              <a:buFont typeface="Arial" panose="020B0604020202020204" pitchFamily="34" charset="0"/>
+              <a:buChar char="•"/>
+            </a:pPr>
+            <a:r>
+              <a:rPr lang="en-US" sz="1600" dirty="0"/>
+              <a:t>Azure ML</a:t>
+            </a:r>
+          </a:p>
+          <a:p>
+            <a:pPr marL="742950" lvl="1" indent="-285750">
+              <a:buFont typeface="Arial" panose="020B0604020202020204" pitchFamily="34" charset="0"/>
+              <a:buChar char="•"/>
+            </a:pPr>
+            <a:r>
+              <a:rPr lang="en-US" sz="1600" dirty="0"/>
+              <a:t>Azure Data Factory</a:t>
+            </a:r>
+          </a:p>
+          <a:p>
+            <a:pPr marL="742950" lvl="1" indent="-285750">
+              <a:buFont typeface="Arial" panose="020B0604020202020204" pitchFamily="34" charset="0"/>
+              <a:buChar char="•"/>
+            </a:pPr>
+            <a:r>
+              <a:rPr lang="en-US" sz="1600" dirty="0"/>
+              <a:t>Azure Storage</a:t>
+            </a:r>
+          </a:p>
+        </p:txBody>
+      </p:sp>
     </p:spTree>
     <p:extLst>
       <p:ext uri="{BB962C8B-B14F-4D97-AF65-F5344CB8AC3E}">
@@ -3748,7 +5817,7 @@
           <a:p>
             <a:r>
               <a:rPr lang="en-US" dirty="0"/>
-              <a:t>Before you start workshop</a:t>
+              <a:t>Before you start the workshop</a:t>
             </a:r>
           </a:p>
         </p:txBody>
@@ -3772,7 +5841,6 @@
               <a:rPr lang="en-US" dirty="0"/>
               <a:t>Deploy Workshop Environment to Azure</a:t>
             </a:r>
-            <a:endParaRPr lang="en-US" dirty="0"/>
           </a:p>
         </p:txBody>
       </p:sp>
@@ -3797,6 +5865,15 @@
             </a:r>
           </a:p>
           <a:p>
+            <a:pPr lvl="1"/>
+            <a:r>
+              <a:rPr lang="en-US" dirty="0"/>
+              <a:t>Documents and slides are available at </a:t>
+            </a:r>
+            <a:r>
+              <a:rPr lang="en-US" dirty="0" err="1"/>
+              <a:t>github</a:t>
+            </a:r>
             <a:endParaRPr lang="en-US" dirty="0"/>
           </a:p>
           <a:p>
@@ -3818,21 +5895,22 @@
             <a:pPr lvl="1"/>
             <a:r>
               <a:rPr lang="en-US" dirty="0"/>
-              <a:t>It might take 15 minutes BUT you can connect to Virtual Machine during the resource group provision status.</a:t>
-            </a:r>
-          </a:p>
-          <a:p>
-            <a:pPr lvl="2"/>
+              <a:t>Provisioning takes 15 minutes BUT you can connect to Virtual Machine during the resource group creating status.</a:t>
+            </a:r>
+          </a:p>
+          <a:p>
+            <a:pPr lvl="1"/>
             <a:r>
               <a:rPr lang="en-US" dirty="0"/>
-              <a:t>Further lab will be </a:t>
-            </a:r>
-          </a:p>
-          <a:p>
-            <a:pPr lvl="1"/>
+              <a:t>Find a </a:t>
+            </a:r>
+            <a:r>
+              <a:rPr lang="en-US"/>
+              <a:t>virtual machine </a:t>
+            </a:r>
             <a:r>
               <a:rPr lang="en-US" dirty="0"/>
-              <a:t>Find a virtual machine and connect to it using following credential</a:t>
+              <a:t>and connect to it using following credential</a:t>
             </a:r>
           </a:p>
           <a:p>
@@ -4047,20 +6125,12 @@
           </a:lstStyle>
           <a:p>
             <a:pPr marL="0" indent="0" algn="ctr">
-              <a:buFont typeface="Segoe UI" panose="020B0502040204020203" pitchFamily="34" charset="0"/>
               <a:buNone/>
             </a:pPr>
             <a:r>
-              <a:rPr lang="en-US" sz="5000" u="sng">
-                <a:hlinkClick r:id="rId2"/>
-              </a:rPr>
-              <a:t>http://bit.ly/2j1eDSV</a:t>
-            </a:r>
-            <a:r>
-              <a:rPr lang="en-US" sz="5000"/>
-              <a:t> </a:t>
-            </a:r>
-            <a:endParaRPr lang="en-US" sz="5000" dirty="0"/>
+              <a:rPr lang="en-US" sz="5000" u="sng" dirty="0"/>
+              <a:t>http://bit.ly/2pAsC4n</a:t>
+            </a:r>
           </a:p>
         </p:txBody>
       </p:sp>
@@ -4163,7 +6233,6 @@
                         <a:rPr lang="en-US" dirty="0"/>
                         <a:t>Password.1!!</a:t>
                       </a:r>
-                      <a:endParaRPr lang="en-US" dirty="0"/>
                     </a:p>
                   </a:txBody>
                   <a:tcPr/>
@@ -4201,7 +6270,7 @@
             <p:nvPr/>
           </p:nvPicPr>
           <p:blipFill rotWithShape="1">
-            <a:blip r:embed="rId3"/>
+            <a:blip r:embed="rId2"/>
             <a:srcRect b="85332"/>
             <a:stretch/>
           </p:blipFill>
@@ -4278,7 +6347,7 @@
 </file>
 
 <file path=ppt/slides/slide5.xml><?xml version="1.0" encoding="utf-8"?>
-<p:sld xmlns:a="http://schemas.openxmlformats.org/drawingml/2006/main" xmlns:r="http://schemas.openxmlformats.org/officeDocument/2006/relationships" xmlns:p="http://schemas.openxmlformats.org/presentationml/2006/main">
+<p:sld xmlns:a="http://schemas.openxmlformats.org/drawingml/2006/main" xmlns:r="http://schemas.openxmlformats.org/officeDocument/2006/relationships" xmlns:p="http://schemas.openxmlformats.org/presentationml/2006/main" show="0">
   <p:cSld>
     <p:spTree>
       <p:nvGrpSpPr>
@@ -4311,7 +6380,7 @@
           <a:p>
             <a:r>
               <a:rPr lang="en-US" dirty="0"/>
-              <a:t>Before you start workshop</a:t>
+              <a:t>Before you start the workshop</a:t>
             </a:r>
           </a:p>
         </p:txBody>
@@ -4411,31 +6480,38 @@
           <a:p>
             <a:r>
               <a:rPr lang="en-US" dirty="0"/>
-              <a:t>Before you start workshop</a:t>
+              <a:t>Before you start the workshop</a:t>
             </a:r>
             <a:endParaRPr lang="en-US" dirty="0"/>
           </a:p>
         </p:txBody>
       </p:sp>
-      <p:sp>
-        <p:nvSpPr>
-          <p:cNvPr id="3" name="Content Placeholder 2"/>
-          <p:cNvSpPr>
-            <a:spLocks noGrp="1"/>
-          </p:cNvSpPr>
+      <p:pic>
+        <p:nvPicPr>
+          <p:cNvPr id="5" name="Content Placeholder 4"/>
+          <p:cNvPicPr>
+            <a:picLocks noGrp="1" noChangeAspect="1"/>
+          </p:cNvPicPr>
           <p:nvPr>
             <p:ph idx="1"/>
           </p:nvPr>
-        </p:nvSpPr>
-        <p:spPr/>
-        <p:txBody>
-          <a:bodyPr/>
-          <a:lstStyle/>
-          <a:p>
-            <a:endParaRPr lang="en-US"/>
-          </a:p>
-        </p:txBody>
-      </p:sp>
+        </p:nvPicPr>
+        <p:blipFill>
+          <a:blip r:embed="rId2"/>
+          <a:stretch>
+            <a:fillRect/>
+          </a:stretch>
+        </p:blipFill>
+        <p:spPr>
+          <a:xfrm>
+            <a:off x="2653680" y="1668574"/>
+            <a:ext cx="6884640" cy="4286027"/>
+          </a:xfrm>
+          <a:prstGeom prst="rect">
+            <a:avLst/>
+          </a:prstGeom>
+        </p:spPr>
+      </p:pic>
       <p:sp>
         <p:nvSpPr>
           <p:cNvPr id="4" name="Text Placeholder 3"/>
@@ -4488,133 +6564,174 @@
           <a:chExt cx="0" cy="0"/>
         </a:xfrm>
       </p:grpSpPr>
-      <p:sp>
-        <p:nvSpPr>
-          <p:cNvPr id="2" name="Title 1"/>
-          <p:cNvSpPr>
-            <a:spLocks noGrp="1"/>
-          </p:cNvSpPr>
-          <p:nvPr>
-            <p:ph type="title"/>
-          </p:nvPr>
-        </p:nvSpPr>
-        <p:spPr/>
-        <p:txBody>
-          <a:bodyPr/>
-          <a:lstStyle/>
-          <a:p>
-            <a:r>
-              <a:rPr lang="en-US" dirty="0"/>
-              <a:t>Acquire Weather Underground API Key</a:t>
-            </a:r>
-          </a:p>
-        </p:txBody>
-      </p:sp>
       <p:pic>
         <p:nvPicPr>
-          <p:cNvPr id="5" name="Content Placeholder 4"/>
-          <p:cNvPicPr>
-            <a:picLocks noGrp="1" noChangeAspect="1"/>
-          </p:cNvPicPr>
-          <p:nvPr>
-            <p:ph idx="1"/>
-          </p:nvPr>
-        </p:nvPicPr>
-        <p:blipFill>
-          <a:blip r:embed="rId2"/>
-          <a:stretch>
-            <a:fillRect/>
-          </a:stretch>
-        </p:blipFill>
-        <p:spPr>
-          <a:xfrm>
-            <a:off x="467077" y="1449099"/>
-            <a:ext cx="3093218" cy="4724977"/>
-          </a:xfrm>
-          <a:prstGeom prst="rect">
-            <a:avLst/>
-          </a:prstGeom>
-          <a:ln>
-            <a:noFill/>
-          </a:ln>
-          <a:effectLst>
-            <a:outerShdw blurRad="292100" dist="139700" dir="2700000" algn="tl" rotWithShape="0">
-              <a:srgbClr val="333333">
-                <a:alpha val="65000"/>
-              </a:srgbClr>
-            </a:outerShdw>
-          </a:effectLst>
-        </p:spPr>
-      </p:pic>
-      <p:sp>
-        <p:nvSpPr>
-          <p:cNvPr id="4" name="Text Placeholder 3"/>
-          <p:cNvSpPr>
-            <a:spLocks noGrp="1"/>
-          </p:cNvSpPr>
-          <p:nvPr>
-            <p:ph type="body" sz="quarter" idx="10"/>
-          </p:nvPr>
-        </p:nvSpPr>
-        <p:spPr/>
-        <p:txBody>
-          <a:bodyPr/>
-          <a:lstStyle/>
-          <a:p>
-            <a:r>
-              <a:rPr lang="en-US" dirty="0">
-                <a:hlinkClick r:id="rId3"/>
-              </a:rPr>
-              <a:t>http://api.wunderground.com/api/3a7a579f41f30b09 /forecast10day/q/WA/</a:t>
-            </a:r>
-            <a:r>
-              <a:rPr lang="en-US" dirty="0" err="1">
-                <a:hlinkClick r:id="rId3"/>
-              </a:rPr>
-              <a:t>SEA.json</a:t>
-            </a:r>
-            <a:endParaRPr lang="en-US" dirty="0"/>
-          </a:p>
-        </p:txBody>
-      </p:sp>
-      <p:pic>
-        <p:nvPicPr>
-          <p:cNvPr id="6" name="Picture 5"/>
+          <p:cNvPr id="7" name="Picture 6"/>
           <p:cNvPicPr>
             <a:picLocks noChangeAspect="1"/>
           </p:cNvPicPr>
           <p:nvPr/>
         </p:nvPicPr>
-        <p:blipFill>
-          <a:blip r:embed="rId4"/>
-          <a:stretch>
-            <a:fillRect/>
-          </a:stretch>
+        <p:blipFill rotWithShape="1">
+          <a:blip r:embed="rId2">
+            <a:duotone>
+              <a:schemeClr val="bg2">
+                <a:shade val="45000"/>
+                <a:satMod val="135000"/>
+              </a:schemeClr>
+              <a:prstClr val="white"/>
+            </a:duotone>
+          </a:blip>
+          <a:srcRect b="2684"/>
+          <a:stretch/>
         </p:blipFill>
         <p:spPr>
           <a:xfrm>
-            <a:off x="4475776" y="1513923"/>
-            <a:ext cx="6615603" cy="4663240"/>
+            <a:off x="1295400" y="1212981"/>
+            <a:ext cx="9601200" cy="5645019"/>
           </a:xfrm>
           <a:prstGeom prst="rect">
             <a:avLst/>
           </a:prstGeom>
-          <a:ln>
-            <a:noFill/>
-          </a:ln>
-          <a:effectLst>
-            <a:outerShdw blurRad="292100" dist="139700" dir="2700000" algn="tl" rotWithShape="0">
-              <a:srgbClr val="333333">
-                <a:alpha val="65000"/>
-              </a:srgbClr>
-            </a:outerShdw>
-          </a:effectLst>
         </p:spPr>
       </p:pic>
+      <p:sp>
+        <p:nvSpPr>
+          <p:cNvPr id="2" name="Title 1"/>
+          <p:cNvSpPr>
+            <a:spLocks noGrp="1"/>
+          </p:cNvSpPr>
+          <p:nvPr>
+            <p:ph type="title"/>
+          </p:nvPr>
+        </p:nvSpPr>
+        <p:spPr/>
+        <p:txBody>
+          <a:bodyPr/>
+          <a:lstStyle/>
+          <a:p>
+            <a:r>
+              <a:rPr lang="en-US" dirty="0"/>
+              <a:t>Download </a:t>
+            </a:r>
+            <a:r>
+              <a:rPr lang="en-US" dirty="0"/>
+              <a:t>Workshop Manual</a:t>
+            </a:r>
+          </a:p>
+        </p:txBody>
+      </p:sp>
+      <p:sp>
+        <p:nvSpPr>
+          <p:cNvPr id="3" name="Content Placeholder 2"/>
+          <p:cNvSpPr>
+            <a:spLocks noGrp="1"/>
+          </p:cNvSpPr>
+          <p:nvPr>
+            <p:ph idx="1"/>
+          </p:nvPr>
+        </p:nvSpPr>
+        <p:spPr/>
+        <p:txBody>
+          <a:bodyPr anchor="ctr">
+            <a:normAutofit/>
+          </a:bodyPr>
+          <a:lstStyle/>
+          <a:p>
+            <a:pPr marL="0" indent="0" algn="ctr">
+              <a:buNone/>
+            </a:pPr>
+            <a:r>
+              <a:rPr lang="en-US" sz="5400" u="sng" dirty="0">
+                <a:hlinkClick r:id="rId3"/>
+              </a:rPr>
+              <a:t>http://bit.ly/2qtrDHx</a:t>
+            </a:r>
+            <a:r>
+              <a:rPr lang="en-US" sz="5400" u="sng" dirty="0"/>
+              <a:t> </a:t>
+            </a:r>
+            <a:endParaRPr lang="en-US" sz="5400" dirty="0"/>
+          </a:p>
+        </p:txBody>
+      </p:sp>
+      <p:sp>
+        <p:nvSpPr>
+          <p:cNvPr id="4" name="Text Placeholder 3"/>
+          <p:cNvSpPr>
+            <a:spLocks noGrp="1"/>
+          </p:cNvSpPr>
+          <p:nvPr>
+            <p:ph type="body" sz="quarter" idx="10"/>
+          </p:nvPr>
+        </p:nvSpPr>
+        <p:spPr>
+          <a:xfrm>
+            <a:off x="312420" y="783773"/>
+            <a:ext cx="11567160" cy="429208"/>
+          </a:xfrm>
+        </p:spPr>
+        <p:txBody>
+          <a:bodyPr/>
+          <a:lstStyle/>
+          <a:p>
+            <a:r>
+              <a:rPr lang="en-US" dirty="0"/>
+              <a:t>Make your workshop easy</a:t>
+            </a:r>
+          </a:p>
+        </p:txBody>
+      </p:sp>
+      <p:sp>
+        <p:nvSpPr>
+          <p:cNvPr id="5" name="Rectangle 4"/>
+          <p:cNvSpPr/>
+          <p:nvPr/>
+        </p:nvSpPr>
+        <p:spPr>
+          <a:xfrm>
+            <a:off x="3048000" y="4735853"/>
+            <a:ext cx="6096000" cy="1077218"/>
+          </a:xfrm>
+          <a:prstGeom prst="rect">
+            <a:avLst/>
+          </a:prstGeom>
+        </p:spPr>
+        <p:txBody>
+          <a:bodyPr>
+            <a:spAutoFit/>
+          </a:bodyPr>
+          <a:lstStyle/>
+          <a:p>
+            <a:pPr lvl="1"/>
+            <a:r>
+              <a:rPr lang="en-US" sz="3200" dirty="0"/>
+              <a:t>User name: </a:t>
+            </a:r>
+            <a:r>
+              <a:rPr lang="en-US" sz="3200" b="1" dirty="0" err="1"/>
+              <a:t>cortana</a:t>
+            </a:r>
+            <a:endParaRPr lang="en-US" sz="3200" dirty="0"/>
+          </a:p>
+          <a:p>
+            <a:pPr lvl="1"/>
+            <a:r>
+              <a:rPr lang="en-US" sz="3200" dirty="0"/>
+              <a:t>Password: </a:t>
+            </a:r>
+            <a:r>
+              <a:rPr lang="en-US" sz="3200" b="1" dirty="0"/>
+              <a:t>Password.1!!</a:t>
+            </a:r>
+            <a:endParaRPr lang="en-US" sz="3200" dirty="0"/>
+          </a:p>
+        </p:txBody>
+      </p:sp>
     </p:spTree>
     <p:extLst>
       <p:ext uri="{BB962C8B-B14F-4D97-AF65-F5344CB8AC3E}">
-        <p14:creationId xmlns:p14="http://schemas.microsoft.com/office/powerpoint/2010/main" val="4174947788"/>
+        <p14:creationId xmlns:p14="http://schemas.microsoft.com/office/powerpoint/2010/main" val="937758141"/>
       </p:ext>
     </p:extLst>
   </p:cSld>
@@ -4643,7 +6760,7 @@
       </p:grpSpPr>
       <p:sp>
         <p:nvSpPr>
-          <p:cNvPr id="2" name="Title 1"/>
+          <p:cNvPr id="5" name="Title 4"/>
           <p:cNvSpPr>
             <a:spLocks noGrp="1"/>
           </p:cNvSpPr>
@@ -4653,132 +6770,44 @@
         </p:nvSpPr>
         <p:spPr/>
         <p:txBody>
-          <a:bodyPr/>
+          <a:bodyPr>
+            <a:normAutofit/>
+          </a:bodyPr>
           <a:lstStyle/>
           <a:p>
             <a:r>
-              <a:rPr lang="en-US" dirty="0"/>
-              <a:t>Workshop Manuals</a:t>
-            </a:r>
-          </a:p>
-        </p:txBody>
-      </p:sp>
-      <p:sp>
-        <p:nvSpPr>
-          <p:cNvPr id="3" name="Content Placeholder 2"/>
+              <a:rPr lang="en-US" sz="3300" dirty="0"/>
+              <a:t>Ex 1: Building a Machine Learning Model</a:t>
+            </a:r>
+          </a:p>
+        </p:txBody>
+      </p:sp>
+      <p:sp>
+        <p:nvSpPr>
+          <p:cNvPr id="6" name="Text Placeholder 5"/>
           <p:cNvSpPr>
             <a:spLocks noGrp="1"/>
           </p:cNvSpPr>
           <p:nvPr>
-            <p:ph idx="1"/>
+            <p:ph type="body" idx="1"/>
           </p:nvPr>
         </p:nvSpPr>
         <p:spPr/>
-        <p:txBody>
-          <a:bodyPr anchor="ctr">
-            <a:normAutofit/>
-          </a:bodyPr>
-          <a:lstStyle/>
-          <a:p>
-            <a:pPr marL="0" indent="0" algn="ctr">
-              <a:buNone/>
-            </a:pPr>
-            <a:r>
-              <a:rPr lang="en-US" sz="5400" u="sng" dirty="0">
-                <a:solidFill>
-                  <a:srgbClr val="0563C1"/>
-                </a:solidFill>
-                <a:latin typeface="Calibri" panose="020F0502020204030204" pitchFamily="34" charset="0"/>
-                <a:ea typeface="Malgun Gothic" panose="020B0503020000020004" pitchFamily="34" charset="-127"/>
-                <a:cs typeface="Times New Roman" panose="02020603050405020304" pitchFamily="18" charset="0"/>
-                <a:hlinkClick r:id="rId2"/>
-              </a:rPr>
-              <a:t>http://bit.ly/2jjzBfl</a:t>
-            </a:r>
-            <a:r>
-              <a:rPr lang="en-US" sz="5000" dirty="0"/>
-              <a:t> </a:t>
-            </a:r>
-          </a:p>
-        </p:txBody>
-      </p:sp>
-      <p:sp>
-        <p:nvSpPr>
-          <p:cNvPr id="4" name="Text Placeholder 3"/>
-          <p:cNvSpPr>
-            <a:spLocks noGrp="1"/>
-          </p:cNvSpPr>
-          <p:nvPr>
-            <p:ph type="body" sz="quarter" idx="10"/>
-          </p:nvPr>
-        </p:nvSpPr>
-        <p:spPr>
-          <a:xfrm>
-            <a:off x="312420" y="783773"/>
-            <a:ext cx="11567160" cy="429208"/>
-          </a:xfrm>
-        </p:spPr>
         <p:txBody>
           <a:bodyPr/>
           <a:lstStyle/>
           <a:p>
             <a:r>
               <a:rPr lang="en-US" dirty="0"/>
-              <a:t>Make your workshop easy</a:t>
-            </a:r>
-          </a:p>
-        </p:txBody>
-      </p:sp>
-      <p:sp>
-        <p:nvSpPr>
-          <p:cNvPr id="5" name="Rectangle 4"/>
-          <p:cNvSpPr/>
-          <p:nvPr/>
-        </p:nvSpPr>
-        <p:spPr>
-          <a:xfrm>
-            <a:off x="3048000" y="4735853"/>
-            <a:ext cx="6096000" cy="1077218"/>
-          </a:xfrm>
-          <a:prstGeom prst="rect">
-            <a:avLst/>
-          </a:prstGeom>
-        </p:spPr>
-        <p:txBody>
-          <a:bodyPr>
-            <a:spAutoFit/>
-          </a:bodyPr>
-          <a:lstStyle/>
-          <a:p>
-            <a:pPr lvl="1"/>
-            <a:r>
-              <a:rPr lang="en-US" sz="3200" dirty="0"/>
-              <a:t>User name: </a:t>
-            </a:r>
-            <a:r>
-              <a:rPr lang="en-US" sz="3200" b="1" dirty="0" err="1"/>
-              <a:t>cortana</a:t>
-            </a:r>
-            <a:endParaRPr lang="en-US" sz="3200" dirty="0"/>
-          </a:p>
-          <a:p>
-            <a:pPr lvl="1"/>
-            <a:r>
-              <a:rPr lang="en-US" sz="3200" dirty="0"/>
-              <a:t>Password: </a:t>
-            </a:r>
-            <a:r>
-              <a:rPr lang="en-US" sz="3200" b="1" dirty="0"/>
-              <a:t>Password.1!!</a:t>
-            </a:r>
-            <a:endParaRPr lang="en-US" sz="3200" dirty="0"/>
+              <a:t>What you will see next.</a:t>
+            </a:r>
           </a:p>
         </p:txBody>
       </p:sp>
     </p:spTree>
     <p:extLst>
       <p:ext uri="{BB962C8B-B14F-4D97-AF65-F5344CB8AC3E}">
-        <p14:creationId xmlns:p14="http://schemas.microsoft.com/office/powerpoint/2010/main" val="937758141"/>
+        <p14:creationId xmlns:p14="http://schemas.microsoft.com/office/powerpoint/2010/main" val="2733844255"/>
       </p:ext>
     </p:extLst>
   </p:cSld>
@@ -4807,7 +6836,7 @@
       </p:grpSpPr>
       <p:sp>
         <p:nvSpPr>
-          <p:cNvPr id="5" name="Title 4"/>
+          <p:cNvPr id="4" name="Title 3"/>
           <p:cNvSpPr>
             <a:spLocks noGrp="1"/>
           </p:cNvSpPr>
@@ -4817,44 +6846,46 @@
         </p:nvSpPr>
         <p:spPr/>
         <p:txBody>
-          <a:bodyPr>
-            <a:normAutofit/>
-          </a:bodyPr>
-          <a:lstStyle/>
-          <a:p>
-            <a:r>
-              <a:rPr lang="en-US" sz="3300" dirty="0"/>
-              <a:t>Ex 1: Building a Machine Learning Model</a:t>
-            </a:r>
-          </a:p>
-        </p:txBody>
-      </p:sp>
-      <p:sp>
-        <p:nvSpPr>
-          <p:cNvPr id="6" name="Text Placeholder 5"/>
-          <p:cNvSpPr>
-            <a:spLocks noGrp="1"/>
-          </p:cNvSpPr>
-          <p:nvPr>
-            <p:ph type="body" idx="1"/>
-          </p:nvPr>
-        </p:nvSpPr>
-        <p:spPr/>
-        <p:txBody>
           <a:bodyPr/>
           <a:lstStyle/>
           <a:p>
             <a:r>
               <a:rPr lang="en-US" dirty="0"/>
-              <a:t>What you will see next.</a:t>
-            </a:r>
-          </a:p>
-        </p:txBody>
-      </p:sp>
+              <a:t>Azure Machine Learning Studio</a:t>
+            </a:r>
+          </a:p>
+        </p:txBody>
+      </p:sp>
+      <p:pic>
+        <p:nvPicPr>
+          <p:cNvPr id="7" name="Content Placeholder 6"/>
+          <p:cNvPicPr>
+            <a:picLocks noGrp="1" noChangeAspect="1"/>
+          </p:cNvPicPr>
+          <p:nvPr>
+            <p:ph idx="1"/>
+          </p:nvPr>
+        </p:nvPicPr>
+        <p:blipFill>
+          <a:blip r:embed="rId2"/>
+          <a:stretch>
+            <a:fillRect/>
+          </a:stretch>
+        </p:blipFill>
+        <p:spPr>
+          <a:xfrm>
+            <a:off x="1348025" y="783774"/>
+            <a:ext cx="9495950" cy="5626552"/>
+          </a:xfrm>
+          <a:prstGeom prst="rect">
+            <a:avLst/>
+          </a:prstGeom>
+        </p:spPr>
+      </p:pic>
     </p:spTree>
     <p:extLst>
       <p:ext uri="{BB962C8B-B14F-4D97-AF65-F5344CB8AC3E}">
-        <p14:creationId xmlns:p14="http://schemas.microsoft.com/office/powerpoint/2010/main" val="2733844255"/>
+        <p14:creationId xmlns:p14="http://schemas.microsoft.com/office/powerpoint/2010/main" val="2053271720"/>
       </p:ext>
     </p:extLst>
   </p:cSld>
